--- a/3D知识清单.pptx
+++ b/3D知识清单.pptx
@@ -17,6 +17,23 @@
     <p:sldId id="265" r:id="rId11"/>
     <p:sldId id="266" r:id="rId12"/>
     <p:sldId id="267" r:id="rId13"/>
+    <p:sldId id="269" r:id="rId14"/>
+    <p:sldId id="268" r:id="rId15"/>
+    <p:sldId id="270" r:id="rId16"/>
+    <p:sldId id="271" r:id="rId17"/>
+    <p:sldId id="272" r:id="rId18"/>
+    <p:sldId id="273" r:id="rId19"/>
+    <p:sldId id="274" r:id="rId20"/>
+    <p:sldId id="275" r:id="rId21"/>
+    <p:sldId id="276" r:id="rId22"/>
+    <p:sldId id="277" r:id="rId23"/>
+    <p:sldId id="278" r:id="rId24"/>
+    <p:sldId id="279" r:id="rId25"/>
+    <p:sldId id="280" r:id="rId26"/>
+    <p:sldId id="281" r:id="rId27"/>
+    <p:sldId id="282" r:id="rId28"/>
+    <p:sldId id="283" r:id="rId29"/>
+    <p:sldId id="284" r:id="rId30"/>
   </p:sldIdLst>
   <p:sldSz cx="12192000" cy="6858000"/>
   <p:notesSz cx="6858000" cy="9144000"/>
@@ -115,6 +132,11 @@
       </a:defRPr>
     </a:lvl9pPr>
   </p:defaultTextStyle>
+  <p:extLst>
+    <p:ext uri="{EFAFB233-063F-42B5-8137-9DF3F51BA10A}">
+      <p15:sldGuideLst xmlns:p15="http://schemas.microsoft.com/office/powerpoint/2012/main"/>
+    </p:ext>
+  </p:extLst>
 </p:presentation>
 </file>
 
@@ -265,7 +287,7 @@
           <a:p>
             <a:fld id="{65942330-5CB5-48A6-8CAB-ADCD111B4331}" type="datetimeFigureOut">
               <a:rPr lang="zh-CN" altLang="en-US" smtClean="0"/>
-              <a:t>2021/3/13</a:t>
+              <a:t>2021/3/14</a:t>
             </a:fld>
             <a:endParaRPr lang="zh-CN" altLang="en-US"/>
           </a:p>
@@ -463,7 +485,7 @@
           <a:p>
             <a:fld id="{65942330-5CB5-48A6-8CAB-ADCD111B4331}" type="datetimeFigureOut">
               <a:rPr lang="zh-CN" altLang="en-US" smtClean="0"/>
-              <a:t>2021/3/13</a:t>
+              <a:t>2021/3/14</a:t>
             </a:fld>
             <a:endParaRPr lang="zh-CN" altLang="en-US"/>
           </a:p>
@@ -671,7 +693,7 @@
           <a:p>
             <a:fld id="{65942330-5CB5-48A6-8CAB-ADCD111B4331}" type="datetimeFigureOut">
               <a:rPr lang="zh-CN" altLang="en-US" smtClean="0"/>
-              <a:t>2021/3/13</a:t>
+              <a:t>2021/3/14</a:t>
             </a:fld>
             <a:endParaRPr lang="zh-CN" altLang="en-US"/>
           </a:p>
@@ -869,7 +891,7 @@
           <a:p>
             <a:fld id="{65942330-5CB5-48A6-8CAB-ADCD111B4331}" type="datetimeFigureOut">
               <a:rPr lang="zh-CN" altLang="en-US" smtClean="0"/>
-              <a:t>2021/3/13</a:t>
+              <a:t>2021/3/14</a:t>
             </a:fld>
             <a:endParaRPr lang="zh-CN" altLang="en-US"/>
           </a:p>
@@ -1144,7 +1166,7 @@
           <a:p>
             <a:fld id="{65942330-5CB5-48A6-8CAB-ADCD111B4331}" type="datetimeFigureOut">
               <a:rPr lang="zh-CN" altLang="en-US" smtClean="0"/>
-              <a:t>2021/3/13</a:t>
+              <a:t>2021/3/14</a:t>
             </a:fld>
             <a:endParaRPr lang="zh-CN" altLang="en-US"/>
           </a:p>
@@ -1409,7 +1431,7 @@
           <a:p>
             <a:fld id="{65942330-5CB5-48A6-8CAB-ADCD111B4331}" type="datetimeFigureOut">
               <a:rPr lang="zh-CN" altLang="en-US" smtClean="0"/>
-              <a:t>2021/3/13</a:t>
+              <a:t>2021/3/14</a:t>
             </a:fld>
             <a:endParaRPr lang="zh-CN" altLang="en-US"/>
           </a:p>
@@ -1821,7 +1843,7 @@
           <a:p>
             <a:fld id="{65942330-5CB5-48A6-8CAB-ADCD111B4331}" type="datetimeFigureOut">
               <a:rPr lang="zh-CN" altLang="en-US" smtClean="0"/>
-              <a:t>2021/3/13</a:t>
+              <a:t>2021/3/14</a:t>
             </a:fld>
             <a:endParaRPr lang="zh-CN" altLang="en-US"/>
           </a:p>
@@ -1962,7 +1984,7 @@
           <a:p>
             <a:fld id="{65942330-5CB5-48A6-8CAB-ADCD111B4331}" type="datetimeFigureOut">
               <a:rPr lang="zh-CN" altLang="en-US" smtClean="0"/>
-              <a:t>2021/3/13</a:t>
+              <a:t>2021/3/14</a:t>
             </a:fld>
             <a:endParaRPr lang="zh-CN" altLang="en-US"/>
           </a:p>
@@ -2075,7 +2097,7 @@
           <a:p>
             <a:fld id="{65942330-5CB5-48A6-8CAB-ADCD111B4331}" type="datetimeFigureOut">
               <a:rPr lang="zh-CN" altLang="en-US" smtClean="0"/>
-              <a:t>2021/3/13</a:t>
+              <a:t>2021/3/14</a:t>
             </a:fld>
             <a:endParaRPr lang="zh-CN" altLang="en-US"/>
           </a:p>
@@ -2386,7 +2408,7 @@
           <a:p>
             <a:fld id="{65942330-5CB5-48A6-8CAB-ADCD111B4331}" type="datetimeFigureOut">
               <a:rPr lang="zh-CN" altLang="en-US" smtClean="0"/>
-              <a:t>2021/3/13</a:t>
+              <a:t>2021/3/14</a:t>
             </a:fld>
             <a:endParaRPr lang="zh-CN" altLang="en-US"/>
           </a:p>
@@ -2674,7 +2696,7 @@
           <a:p>
             <a:fld id="{65942330-5CB5-48A6-8CAB-ADCD111B4331}" type="datetimeFigureOut">
               <a:rPr lang="zh-CN" altLang="en-US" smtClean="0"/>
-              <a:t>2021/3/13</a:t>
+              <a:t>2021/3/14</a:t>
             </a:fld>
             <a:endParaRPr lang="zh-CN" altLang="en-US"/>
           </a:p>
@@ -2915,7 +2937,7 @@
           <a:p>
             <a:fld id="{65942330-5CB5-48A6-8CAB-ADCD111B4331}" type="datetimeFigureOut">
               <a:rPr lang="zh-CN" altLang="en-US" smtClean="0"/>
-              <a:t>2021/3/13</a:t>
+              <a:t>2021/3/14</a:t>
             </a:fld>
             <a:endParaRPr lang="zh-CN" altLang="en-US"/>
           </a:p>
@@ -3707,7 +3729,7 @@
               <a:t>——</a:t>
             </a:r>
             <a:r>
-              <a:rPr lang="zh-CN" altLang="en-US"/>
+              <a:rPr lang="zh-CN" altLang="en-US" dirty="0"/>
               <a:t>泊松公式</a:t>
             </a:r>
           </a:p>
@@ -3734,7 +3756,565 @@
           <a:bodyPr/>
           <a:lstStyle/>
           <a:p>
-            <a:endParaRPr lang="zh-CN" altLang="en-US"/>
+            <a:pPr algn="just"/>
+            <a:r>
+              <a:rPr lang="zh-CN" altLang="zh-CN" sz="1800" kern="100" dirty="0">
+                <a:effectLst/>
+                <a:latin typeface="Calibri" panose="020F0502020204030204" pitchFamily="34" charset="0"/>
+                <a:ea typeface="宋体" panose="02010600030101010101" pitchFamily="2" charset="-122"/>
+                <a:cs typeface="Times New Roman" panose="02020603050405020304" pitchFamily="18" charset="0"/>
+              </a:rPr>
+              <a:t>下面是角速度和旋转矩阵的关系，这个其实略有点复杂，我的结论如下：</a:t>
+            </a:r>
+          </a:p>
+          <a:p>
+            <a:pPr marL="342900" lvl="0" indent="-342900" algn="just">
+              <a:buFont typeface="+mj-lt"/>
+              <a:buAutoNum type="arabicPeriod"/>
+            </a:pPr>
+            <a:r>
+              <a:rPr lang="zh-CN" altLang="zh-CN" sz="1800" kern="100" dirty="0">
+                <a:effectLst/>
+                <a:latin typeface="Calibri" panose="020F0502020204030204" pitchFamily="34" charset="0"/>
+                <a:ea typeface="宋体" panose="02010600030101010101" pitchFamily="2" charset="-122"/>
+                <a:cs typeface="Times New Roman" panose="02020603050405020304" pitchFamily="18" charset="0"/>
+              </a:rPr>
+              <a:t>主要形式是</a:t>
+            </a:r>
+            <a:r>
+              <a:rPr lang="en-US" altLang="zh-CN" sz="1800" kern="100" dirty="0">
+                <a:effectLst/>
+                <a:latin typeface="Calibri" panose="020F0502020204030204" pitchFamily="34" charset="0"/>
+                <a:ea typeface="宋体" panose="02010600030101010101" pitchFamily="2" charset="-122"/>
+                <a:cs typeface="Times New Roman" panose="02020603050405020304" pitchFamily="18" charset="0"/>
+              </a:rPr>
+              <a:t>R</a:t>
+            </a:r>
+            <a:r>
+              <a:rPr lang="zh-CN" altLang="zh-CN" sz="1800" kern="100" dirty="0">
+                <a:effectLst/>
+                <a:latin typeface="Calibri" panose="020F0502020204030204" pitchFamily="34" charset="0"/>
+                <a:ea typeface="宋体" panose="02010600030101010101" pitchFamily="2" charset="-122"/>
+                <a:cs typeface="Times New Roman" panose="02020603050405020304" pitchFamily="18" charset="0"/>
+              </a:rPr>
+              <a:t>的导数</a:t>
+            </a:r>
+            <a:r>
+              <a:rPr lang="en-US" altLang="zh-CN" sz="1800" kern="100" dirty="0">
+                <a:effectLst/>
+                <a:latin typeface="Calibri" panose="020F0502020204030204" pitchFamily="34" charset="0"/>
+                <a:ea typeface="宋体" panose="02010600030101010101" pitchFamily="2" charset="-122"/>
+                <a:cs typeface="Times New Roman" panose="02020603050405020304" pitchFamily="18" charset="0"/>
+              </a:rPr>
+              <a:t> = R</a:t>
+            </a:r>
+            <a:r>
+              <a:rPr lang="zh-CN" altLang="zh-CN" sz="1800" kern="100" dirty="0">
+                <a:effectLst/>
+                <a:latin typeface="Calibri" panose="020F0502020204030204" pitchFamily="34" charset="0"/>
+                <a:ea typeface="宋体" panose="02010600030101010101" pitchFamily="2" charset="-122"/>
+                <a:cs typeface="Times New Roman" panose="02020603050405020304" pitchFamily="18" charset="0"/>
+              </a:rPr>
+              <a:t>乘以</a:t>
+            </a:r>
+            <a:r>
+              <a:rPr lang="en-US" altLang="zh-CN" sz="1800" kern="100" dirty="0">
+                <a:effectLst/>
+                <a:latin typeface="Calibri" panose="020F0502020204030204" pitchFamily="34" charset="0"/>
+                <a:ea typeface="宋体" panose="02010600030101010101" pitchFamily="2" charset="-122"/>
+                <a:cs typeface="Times New Roman" panose="02020603050405020304" pitchFamily="18" charset="0"/>
+              </a:rPr>
+              <a:t>w</a:t>
+            </a:r>
+            <a:r>
+              <a:rPr lang="zh-CN" altLang="zh-CN" sz="1800" kern="100" dirty="0">
+                <a:effectLst/>
+                <a:latin typeface="Calibri" panose="020F0502020204030204" pitchFamily="34" charset="0"/>
+                <a:ea typeface="宋体" panose="02010600030101010101" pitchFamily="2" charset="-122"/>
+                <a:cs typeface="Times New Roman" panose="02020603050405020304" pitchFamily="18" charset="0"/>
+              </a:rPr>
+              <a:t>的反对称</a:t>
+            </a:r>
+          </a:p>
+          <a:p>
+            <a:pPr marL="342900" lvl="0" indent="-342900" algn="just">
+              <a:buFont typeface="+mj-lt"/>
+              <a:buAutoNum type="arabicPeriod"/>
+            </a:pPr>
+            <a:r>
+              <a:rPr lang="zh-CN" altLang="zh-CN" sz="1800" kern="100" dirty="0">
+                <a:effectLst/>
+                <a:latin typeface="Calibri" panose="020F0502020204030204" pitchFamily="34" charset="0"/>
+                <a:ea typeface="宋体" panose="02010600030101010101" pitchFamily="2" charset="-122"/>
+                <a:cs typeface="Times New Roman" panose="02020603050405020304" pitchFamily="18" charset="0"/>
+              </a:rPr>
+              <a:t>未解决的问题有三个：</a:t>
+            </a:r>
+            <a:r>
+              <a:rPr lang="en-US" altLang="zh-CN" sz="1800" kern="100" dirty="0">
+                <a:effectLst/>
+                <a:latin typeface="Calibri" panose="020F0502020204030204" pitchFamily="34" charset="0"/>
+                <a:ea typeface="宋体" panose="02010600030101010101" pitchFamily="2" charset="-122"/>
+                <a:cs typeface="Times New Roman" panose="02020603050405020304" pitchFamily="18" charset="0"/>
+              </a:rPr>
+              <a:t>w</a:t>
+            </a:r>
+            <a:r>
+              <a:rPr lang="zh-CN" altLang="zh-CN" sz="1800" kern="100" dirty="0">
+                <a:effectLst/>
+                <a:latin typeface="Calibri" panose="020F0502020204030204" pitchFamily="34" charset="0"/>
+                <a:ea typeface="宋体" panose="02010600030101010101" pitchFamily="2" charset="-122"/>
+                <a:cs typeface="Times New Roman" panose="02020603050405020304" pitchFamily="18" charset="0"/>
+              </a:rPr>
+              <a:t>是谁绕谁转？</a:t>
+            </a:r>
+            <a:r>
+              <a:rPr lang="en-US" altLang="zh-CN" sz="1800" kern="100" dirty="0">
+                <a:effectLst/>
+                <a:latin typeface="Calibri" panose="020F0502020204030204" pitchFamily="34" charset="0"/>
+                <a:ea typeface="宋体" panose="02010600030101010101" pitchFamily="2" charset="-122"/>
+                <a:cs typeface="Times New Roman" panose="02020603050405020304" pitchFamily="18" charset="0"/>
+              </a:rPr>
+              <a:t>w</a:t>
+            </a:r>
+            <a:r>
+              <a:rPr lang="zh-CN" altLang="zh-CN" sz="1800" kern="100" dirty="0">
+                <a:effectLst/>
+                <a:latin typeface="Calibri" panose="020F0502020204030204" pitchFamily="34" charset="0"/>
+                <a:ea typeface="宋体" panose="02010600030101010101" pitchFamily="2" charset="-122"/>
+                <a:cs typeface="Times New Roman" panose="02020603050405020304" pitchFamily="18" charset="0"/>
+              </a:rPr>
+              <a:t>是在哪个坐标系下？左乘还是右乘？</a:t>
+            </a:r>
+          </a:p>
+          <a:p>
+            <a:pPr marL="342900" lvl="0" indent="-342900" algn="just">
+              <a:buFont typeface="+mj-lt"/>
+              <a:buAutoNum type="arabicPeriod"/>
+            </a:pPr>
+            <a:r>
+              <a:rPr lang="en-US" altLang="zh-CN" sz="1800" kern="100" dirty="0">
+                <a:effectLst/>
+                <a:latin typeface="Calibri" panose="020F0502020204030204" pitchFamily="34" charset="0"/>
+                <a:ea typeface="宋体" panose="02010600030101010101" pitchFamily="2" charset="-122"/>
+                <a:cs typeface="Times New Roman" panose="02020603050405020304" pitchFamily="18" charset="0"/>
+              </a:rPr>
+              <a:t>w</a:t>
+            </a:r>
+            <a:r>
+              <a:rPr lang="zh-CN" altLang="zh-CN" sz="1800" kern="100" dirty="0">
+                <a:effectLst/>
+                <a:latin typeface="Calibri" panose="020F0502020204030204" pitchFamily="34" charset="0"/>
+                <a:ea typeface="宋体" panose="02010600030101010101" pitchFamily="2" charset="-122"/>
+                <a:cs typeface="Times New Roman" panose="02020603050405020304" pitchFamily="18" charset="0"/>
+              </a:rPr>
+              <a:t>是谁绕谁转呢？这个跟</a:t>
+            </a:r>
+            <a:r>
+              <a:rPr lang="en-US" altLang="zh-CN" sz="1800" kern="100" dirty="0">
+                <a:effectLst/>
+                <a:latin typeface="Calibri" panose="020F0502020204030204" pitchFamily="34" charset="0"/>
+                <a:ea typeface="宋体" panose="02010600030101010101" pitchFamily="2" charset="-122"/>
+                <a:cs typeface="Times New Roman" panose="02020603050405020304" pitchFamily="18" charset="0"/>
+              </a:rPr>
+              <a:t>R</a:t>
+            </a:r>
+            <a:r>
+              <a:rPr lang="zh-CN" altLang="zh-CN" sz="1800" kern="100" dirty="0">
+                <a:effectLst/>
+                <a:latin typeface="Calibri" panose="020F0502020204030204" pitchFamily="34" charset="0"/>
+                <a:ea typeface="宋体" panose="02010600030101010101" pitchFamily="2" charset="-122"/>
+                <a:cs typeface="Times New Roman" panose="02020603050405020304" pitchFamily="18" charset="0"/>
+              </a:rPr>
+              <a:t>的定义有关。例如</a:t>
+            </a:r>
+            <a:r>
+              <a:rPr lang="en-US" altLang="zh-CN" sz="1800" kern="100" dirty="0">
+                <a:effectLst/>
+                <a:latin typeface="Calibri" panose="020F0502020204030204" pitchFamily="34" charset="0"/>
+                <a:ea typeface="宋体" panose="02010600030101010101" pitchFamily="2" charset="-122"/>
+                <a:cs typeface="Times New Roman" panose="02020603050405020304" pitchFamily="18" charset="0"/>
+              </a:rPr>
+              <a:t>R</a:t>
+            </a:r>
+            <a:r>
+              <a:rPr lang="zh-CN" altLang="zh-CN" sz="1800" kern="100" dirty="0">
+                <a:effectLst/>
+                <a:latin typeface="Calibri" panose="020F0502020204030204" pitchFamily="34" charset="0"/>
+                <a:ea typeface="宋体" panose="02010600030101010101" pitchFamily="2" charset="-122"/>
+                <a:cs typeface="Times New Roman" panose="02020603050405020304" pitchFamily="18" charset="0"/>
+              </a:rPr>
+              <a:t>是</a:t>
+            </a:r>
+            <a:r>
+              <a:rPr lang="en-US" altLang="zh-CN" sz="1800" kern="100" dirty="0" err="1">
+                <a:effectLst/>
+                <a:latin typeface="Calibri" panose="020F0502020204030204" pitchFamily="34" charset="0"/>
+                <a:ea typeface="宋体" panose="02010600030101010101" pitchFamily="2" charset="-122"/>
+                <a:cs typeface="Times New Roman" panose="02020603050405020304" pitchFamily="18" charset="0"/>
+              </a:rPr>
+              <a:t>R</a:t>
+            </a:r>
+            <a:r>
+              <a:rPr lang="en-US" altLang="zh-CN" sz="1800" kern="100" baseline="-25000" dirty="0" err="1">
+                <a:effectLst/>
+                <a:latin typeface="Calibri" panose="020F0502020204030204" pitchFamily="34" charset="0"/>
+                <a:ea typeface="宋体" panose="02010600030101010101" pitchFamily="2" charset="-122"/>
+                <a:cs typeface="Times New Roman" panose="02020603050405020304" pitchFamily="18" charset="0"/>
+              </a:rPr>
+              <a:t>wb</a:t>
+            </a:r>
+            <a:r>
+              <a:rPr lang="zh-CN" altLang="zh-CN" sz="1800" kern="100" dirty="0">
+                <a:effectLst/>
+                <a:latin typeface="Calibri" panose="020F0502020204030204" pitchFamily="34" charset="0"/>
+                <a:ea typeface="宋体" panose="02010600030101010101" pitchFamily="2" charset="-122"/>
+                <a:cs typeface="Times New Roman" panose="02020603050405020304" pitchFamily="18" charset="0"/>
+              </a:rPr>
+              <a:t>，则是</a:t>
+            </a:r>
+            <a:r>
+              <a:rPr lang="en-US" altLang="zh-CN" sz="1800" kern="100" dirty="0">
+                <a:effectLst/>
+                <a:latin typeface="Calibri" panose="020F0502020204030204" pitchFamily="34" charset="0"/>
+                <a:ea typeface="宋体" panose="02010600030101010101" pitchFamily="2" charset="-122"/>
+                <a:cs typeface="Times New Roman" panose="02020603050405020304" pitchFamily="18" charset="0"/>
+              </a:rPr>
+              <a:t>body</a:t>
+            </a:r>
+            <a:r>
+              <a:rPr lang="zh-CN" altLang="zh-CN" sz="1800" kern="100" dirty="0">
+                <a:effectLst/>
+                <a:latin typeface="Calibri" panose="020F0502020204030204" pitchFamily="34" charset="0"/>
+                <a:ea typeface="宋体" panose="02010600030101010101" pitchFamily="2" charset="-122"/>
+                <a:cs typeface="Times New Roman" panose="02020603050405020304" pitchFamily="18" charset="0"/>
+              </a:rPr>
+              <a:t>系变换到</a:t>
+            </a:r>
+            <a:r>
+              <a:rPr lang="en-US" altLang="zh-CN" sz="1800" kern="100" dirty="0">
+                <a:effectLst/>
+                <a:latin typeface="Calibri" panose="020F0502020204030204" pitchFamily="34" charset="0"/>
+                <a:ea typeface="宋体" panose="02010600030101010101" pitchFamily="2" charset="-122"/>
+                <a:cs typeface="Times New Roman" panose="02020603050405020304" pitchFamily="18" charset="0"/>
+              </a:rPr>
+              <a:t>world</a:t>
+            </a:r>
+            <a:r>
+              <a:rPr lang="zh-CN" altLang="zh-CN" sz="1800" kern="100" dirty="0">
+                <a:effectLst/>
+                <a:latin typeface="Calibri" panose="020F0502020204030204" pitchFamily="34" charset="0"/>
+                <a:ea typeface="宋体" panose="02010600030101010101" pitchFamily="2" charset="-122"/>
+                <a:cs typeface="Times New Roman" panose="02020603050405020304" pitchFamily="18" charset="0"/>
+              </a:rPr>
+              <a:t>系，此时</a:t>
+            </a:r>
+            <a:r>
+              <a:rPr lang="en-US" altLang="zh-CN" sz="1800" kern="100" dirty="0">
+                <a:effectLst/>
+                <a:latin typeface="Calibri" panose="020F0502020204030204" pitchFamily="34" charset="0"/>
+                <a:ea typeface="宋体" panose="02010600030101010101" pitchFamily="2" charset="-122"/>
+                <a:cs typeface="Times New Roman" panose="02020603050405020304" pitchFamily="18" charset="0"/>
+              </a:rPr>
+              <a:t>body</a:t>
+            </a:r>
+            <a:r>
+              <a:rPr lang="zh-CN" altLang="zh-CN" sz="1800" kern="100" dirty="0">
+                <a:effectLst/>
+                <a:latin typeface="Calibri" panose="020F0502020204030204" pitchFamily="34" charset="0"/>
+                <a:ea typeface="宋体" panose="02010600030101010101" pitchFamily="2" charset="-122"/>
+                <a:cs typeface="Times New Roman" panose="02020603050405020304" pitchFamily="18" charset="0"/>
+              </a:rPr>
+              <a:t>系视为动系，</a:t>
+            </a:r>
+            <a:r>
+              <a:rPr lang="en-US" altLang="zh-CN" sz="1800" kern="100" dirty="0">
+                <a:effectLst/>
+                <a:latin typeface="Calibri" panose="020F0502020204030204" pitchFamily="34" charset="0"/>
+                <a:ea typeface="宋体" panose="02010600030101010101" pitchFamily="2" charset="-122"/>
+                <a:cs typeface="Times New Roman" panose="02020603050405020304" pitchFamily="18" charset="0"/>
+              </a:rPr>
+              <a:t>world</a:t>
+            </a:r>
+            <a:r>
+              <a:rPr lang="zh-CN" altLang="zh-CN" sz="1800" kern="100" dirty="0">
+                <a:effectLst/>
+                <a:latin typeface="Calibri" panose="020F0502020204030204" pitchFamily="34" charset="0"/>
+                <a:ea typeface="宋体" panose="02010600030101010101" pitchFamily="2" charset="-122"/>
+                <a:cs typeface="Times New Roman" panose="02020603050405020304" pitchFamily="18" charset="0"/>
+              </a:rPr>
+              <a:t>系视为定系，则</a:t>
+            </a:r>
+            <a:r>
+              <a:rPr lang="en-US" altLang="zh-CN" sz="1800" kern="100" dirty="0">
+                <a:effectLst/>
+                <a:latin typeface="Calibri" panose="020F0502020204030204" pitchFamily="34" charset="0"/>
+                <a:ea typeface="宋体" panose="02010600030101010101" pitchFamily="2" charset="-122"/>
+                <a:cs typeface="Times New Roman" panose="02020603050405020304" pitchFamily="18" charset="0"/>
+              </a:rPr>
+              <a:t>w</a:t>
+            </a:r>
+            <a:r>
+              <a:rPr lang="zh-CN" altLang="zh-CN" sz="1800" kern="100" dirty="0">
+                <a:effectLst/>
+                <a:latin typeface="Calibri" panose="020F0502020204030204" pitchFamily="34" charset="0"/>
+                <a:ea typeface="宋体" panose="02010600030101010101" pitchFamily="2" charset="-122"/>
+                <a:cs typeface="Times New Roman" panose="02020603050405020304" pitchFamily="18" charset="0"/>
+              </a:rPr>
+              <a:t>就是</a:t>
+            </a:r>
+            <a:r>
+              <a:rPr lang="en-US" altLang="zh-CN" sz="1800" kern="100" dirty="0">
+                <a:effectLst/>
+                <a:latin typeface="Calibri" panose="020F0502020204030204" pitchFamily="34" charset="0"/>
+                <a:ea typeface="宋体" panose="02010600030101010101" pitchFamily="2" charset="-122"/>
+                <a:cs typeface="Times New Roman" panose="02020603050405020304" pitchFamily="18" charset="0"/>
+              </a:rPr>
+              <a:t>body</a:t>
+            </a:r>
+            <a:r>
+              <a:rPr lang="zh-CN" altLang="zh-CN" sz="1800" kern="100" dirty="0">
+                <a:effectLst/>
+                <a:latin typeface="Calibri" panose="020F0502020204030204" pitchFamily="34" charset="0"/>
+                <a:ea typeface="宋体" panose="02010600030101010101" pitchFamily="2" charset="-122"/>
+                <a:cs typeface="Times New Roman" panose="02020603050405020304" pitchFamily="18" charset="0"/>
+              </a:rPr>
+              <a:t>系相对</a:t>
+            </a:r>
+            <a:r>
+              <a:rPr lang="en-US" altLang="zh-CN" sz="1800" kern="100" dirty="0">
+                <a:effectLst/>
+                <a:latin typeface="Calibri" panose="020F0502020204030204" pitchFamily="34" charset="0"/>
+                <a:ea typeface="宋体" panose="02010600030101010101" pitchFamily="2" charset="-122"/>
+                <a:cs typeface="Times New Roman" panose="02020603050405020304" pitchFamily="18" charset="0"/>
+              </a:rPr>
+              <a:t>world</a:t>
+            </a:r>
+            <a:r>
+              <a:rPr lang="zh-CN" altLang="zh-CN" sz="1800" kern="100" dirty="0">
+                <a:effectLst/>
+                <a:latin typeface="Calibri" panose="020F0502020204030204" pitchFamily="34" charset="0"/>
+                <a:ea typeface="宋体" panose="02010600030101010101" pitchFamily="2" charset="-122"/>
+                <a:cs typeface="Times New Roman" panose="02020603050405020304" pitchFamily="18" charset="0"/>
+              </a:rPr>
+              <a:t>系的旋转。总之，若</a:t>
+            </a:r>
+            <a:r>
+              <a:rPr lang="en-US" altLang="zh-CN" sz="1800" kern="100" dirty="0">
+                <a:effectLst/>
+                <a:latin typeface="Calibri" panose="020F0502020204030204" pitchFamily="34" charset="0"/>
+                <a:ea typeface="宋体" panose="02010600030101010101" pitchFamily="2" charset="-122"/>
+                <a:cs typeface="Times New Roman" panose="02020603050405020304" pitchFamily="18" charset="0"/>
+              </a:rPr>
+              <a:t>R = C12</a:t>
+            </a:r>
+            <a:r>
+              <a:rPr lang="zh-CN" altLang="zh-CN" sz="1800" kern="100" dirty="0">
+                <a:effectLst/>
+                <a:latin typeface="Calibri" panose="020F0502020204030204" pitchFamily="34" charset="0"/>
+                <a:ea typeface="宋体" panose="02010600030101010101" pitchFamily="2" charset="-122"/>
+                <a:cs typeface="Times New Roman" panose="02020603050405020304" pitchFamily="18" charset="0"/>
+              </a:rPr>
+              <a:t>，则</a:t>
+            </a:r>
+            <a:r>
+              <a:rPr lang="en-US" altLang="zh-CN" sz="1800" kern="100" dirty="0">
+                <a:effectLst/>
+                <a:latin typeface="Calibri" panose="020F0502020204030204" pitchFamily="34" charset="0"/>
+                <a:ea typeface="宋体" panose="02010600030101010101" pitchFamily="2" charset="-122"/>
+                <a:cs typeface="Times New Roman" panose="02020603050405020304" pitchFamily="18" charset="0"/>
+              </a:rPr>
+              <a:t>w=w21</a:t>
+            </a:r>
+            <a:r>
+              <a:rPr lang="zh-CN" altLang="zh-CN" sz="1800" kern="100" dirty="0">
+                <a:effectLst/>
+                <a:latin typeface="Calibri" panose="020F0502020204030204" pitchFamily="34" charset="0"/>
+                <a:ea typeface="宋体" panose="02010600030101010101" pitchFamily="2" charset="-122"/>
+                <a:cs typeface="Times New Roman" panose="02020603050405020304" pitchFamily="18" charset="0"/>
+              </a:rPr>
+              <a:t>；反之，若</a:t>
+            </a:r>
+            <a:r>
+              <a:rPr lang="en-US" altLang="zh-CN" sz="1800" kern="100" dirty="0">
+                <a:effectLst/>
+                <a:latin typeface="Calibri" panose="020F0502020204030204" pitchFamily="34" charset="0"/>
+                <a:ea typeface="宋体" panose="02010600030101010101" pitchFamily="2" charset="-122"/>
+                <a:cs typeface="Times New Roman" panose="02020603050405020304" pitchFamily="18" charset="0"/>
+              </a:rPr>
+              <a:t>R=C21</a:t>
+            </a:r>
+            <a:r>
+              <a:rPr lang="zh-CN" altLang="zh-CN" sz="1800" kern="100" dirty="0">
+                <a:effectLst/>
+                <a:latin typeface="Calibri" panose="020F0502020204030204" pitchFamily="34" charset="0"/>
+                <a:ea typeface="宋体" panose="02010600030101010101" pitchFamily="2" charset="-122"/>
+                <a:cs typeface="Times New Roman" panose="02020603050405020304" pitchFamily="18" charset="0"/>
+              </a:rPr>
+              <a:t>，</a:t>
+            </a:r>
+            <a:r>
+              <a:rPr lang="en-US" altLang="zh-CN" sz="1800" kern="100" dirty="0">
+                <a:effectLst/>
+                <a:latin typeface="Calibri" panose="020F0502020204030204" pitchFamily="34" charset="0"/>
+                <a:ea typeface="宋体" panose="02010600030101010101" pitchFamily="2" charset="-122"/>
+                <a:cs typeface="Times New Roman" panose="02020603050405020304" pitchFamily="18" charset="0"/>
+              </a:rPr>
+              <a:t>w=w12</a:t>
+            </a:r>
+            <a:endParaRPr lang="zh-CN" altLang="zh-CN" sz="1800" kern="100" dirty="0">
+              <a:effectLst/>
+              <a:latin typeface="Calibri" panose="020F0502020204030204" pitchFamily="34" charset="0"/>
+              <a:ea typeface="宋体" panose="02010600030101010101" pitchFamily="2" charset="-122"/>
+              <a:cs typeface="Times New Roman" panose="02020603050405020304" pitchFamily="18" charset="0"/>
+            </a:endParaRPr>
+          </a:p>
+          <a:p>
+            <a:pPr marL="342900" lvl="0" indent="-342900" algn="just">
+              <a:buFont typeface="+mj-lt"/>
+              <a:buAutoNum type="arabicPeriod"/>
+            </a:pPr>
+            <a:r>
+              <a:rPr lang="en-US" altLang="zh-CN" sz="1800" kern="100" dirty="0">
+                <a:effectLst/>
+                <a:latin typeface="Calibri" panose="020F0502020204030204" pitchFamily="34" charset="0"/>
+                <a:ea typeface="宋体" panose="02010600030101010101" pitchFamily="2" charset="-122"/>
+                <a:cs typeface="Times New Roman" panose="02020603050405020304" pitchFamily="18" charset="0"/>
+              </a:rPr>
+              <a:t>w</a:t>
+            </a:r>
+            <a:r>
+              <a:rPr lang="zh-CN" altLang="zh-CN" sz="1800" kern="100" dirty="0">
+                <a:effectLst/>
+                <a:latin typeface="Calibri" panose="020F0502020204030204" pitchFamily="34" charset="0"/>
+                <a:ea typeface="宋体" panose="02010600030101010101" pitchFamily="2" charset="-122"/>
+                <a:cs typeface="Times New Roman" panose="02020603050405020304" pitchFamily="18" charset="0"/>
+              </a:rPr>
+              <a:t>是在哪个坐标系下呢？这个跟左右乘相关，假设</a:t>
+            </a:r>
+            <a:r>
+              <a:rPr lang="en-US" altLang="zh-CN" sz="1800" kern="100" dirty="0">
+                <a:effectLst/>
+                <a:latin typeface="Calibri" panose="020F0502020204030204" pitchFamily="34" charset="0"/>
+                <a:ea typeface="宋体" panose="02010600030101010101" pitchFamily="2" charset="-122"/>
+                <a:cs typeface="Times New Roman" panose="02020603050405020304" pitchFamily="18" charset="0"/>
+              </a:rPr>
+              <a:t>R=C12</a:t>
+            </a:r>
+            <a:r>
+              <a:rPr lang="zh-CN" altLang="zh-CN" sz="1800" kern="100" dirty="0">
+                <a:effectLst/>
+                <a:latin typeface="Calibri" panose="020F0502020204030204" pitchFamily="34" charset="0"/>
+                <a:ea typeface="宋体" panose="02010600030101010101" pitchFamily="2" charset="-122"/>
+                <a:cs typeface="Times New Roman" panose="02020603050405020304" pitchFamily="18" charset="0"/>
+              </a:rPr>
+              <a:t>，此时，如果左乘</a:t>
+            </a:r>
+            <a:r>
+              <a:rPr lang="en-US" altLang="zh-CN" sz="1800" kern="100" dirty="0">
+                <a:effectLst/>
+                <a:latin typeface="Calibri" panose="020F0502020204030204" pitchFamily="34" charset="0"/>
+                <a:ea typeface="宋体" panose="02010600030101010101" pitchFamily="2" charset="-122"/>
+                <a:cs typeface="Times New Roman" panose="02020603050405020304" pitchFamily="18" charset="0"/>
+              </a:rPr>
+              <a:t>w</a:t>
+            </a:r>
+            <a:r>
+              <a:rPr lang="zh-CN" altLang="zh-CN" sz="1800" kern="100" dirty="0">
+                <a:effectLst/>
+                <a:latin typeface="Calibri" panose="020F0502020204030204" pitchFamily="34" charset="0"/>
+                <a:ea typeface="宋体" panose="02010600030101010101" pitchFamily="2" charset="-122"/>
+                <a:cs typeface="Times New Roman" panose="02020603050405020304" pitchFamily="18" charset="0"/>
+              </a:rPr>
+              <a:t>，那么</a:t>
+            </a:r>
+            <a:r>
+              <a:rPr lang="en-US" altLang="zh-CN" sz="1800" kern="100" dirty="0">
+                <a:effectLst/>
+                <a:latin typeface="Calibri" panose="020F0502020204030204" pitchFamily="34" charset="0"/>
+                <a:ea typeface="宋体" panose="02010600030101010101" pitchFamily="2" charset="-122"/>
+                <a:cs typeface="Times New Roman" panose="02020603050405020304" pitchFamily="18" charset="0"/>
+              </a:rPr>
+              <a:t>w</a:t>
+            </a:r>
+            <a:r>
+              <a:rPr lang="zh-CN" altLang="zh-CN" sz="1800" kern="100" dirty="0">
+                <a:effectLst/>
+                <a:latin typeface="Calibri" panose="020F0502020204030204" pitchFamily="34" charset="0"/>
+                <a:ea typeface="宋体" panose="02010600030101010101" pitchFamily="2" charset="-122"/>
+                <a:cs typeface="Times New Roman" panose="02020603050405020304" pitchFamily="18" charset="0"/>
+              </a:rPr>
+              <a:t>在</a:t>
+            </a:r>
+            <a:r>
+              <a:rPr lang="en-US" altLang="zh-CN" sz="1800" kern="100" dirty="0">
+                <a:effectLst/>
+                <a:latin typeface="Calibri" panose="020F0502020204030204" pitchFamily="34" charset="0"/>
+                <a:ea typeface="宋体" panose="02010600030101010101" pitchFamily="2" charset="-122"/>
+                <a:cs typeface="Times New Roman" panose="02020603050405020304" pitchFamily="18" charset="0"/>
+              </a:rPr>
+              <a:t>1</a:t>
+            </a:r>
+            <a:r>
+              <a:rPr lang="zh-CN" altLang="zh-CN" sz="1800" kern="100" dirty="0">
+                <a:effectLst/>
+                <a:latin typeface="Calibri" panose="020F0502020204030204" pitchFamily="34" charset="0"/>
+                <a:ea typeface="宋体" panose="02010600030101010101" pitchFamily="2" charset="-122"/>
+                <a:cs typeface="Times New Roman" panose="02020603050405020304" pitchFamily="18" charset="0"/>
+              </a:rPr>
+              <a:t>系下；如果右乘</a:t>
+            </a:r>
+            <a:r>
+              <a:rPr lang="en-US" altLang="zh-CN" sz="1800" kern="100" dirty="0">
+                <a:effectLst/>
+                <a:latin typeface="Calibri" panose="020F0502020204030204" pitchFamily="34" charset="0"/>
+                <a:ea typeface="宋体" panose="02010600030101010101" pitchFamily="2" charset="-122"/>
+                <a:cs typeface="Times New Roman" panose="02020603050405020304" pitchFamily="18" charset="0"/>
+              </a:rPr>
+              <a:t>w</a:t>
+            </a:r>
+            <a:r>
+              <a:rPr lang="zh-CN" altLang="zh-CN" sz="1800" kern="100" dirty="0">
+                <a:effectLst/>
+                <a:latin typeface="Calibri" panose="020F0502020204030204" pitchFamily="34" charset="0"/>
+                <a:ea typeface="宋体" panose="02010600030101010101" pitchFamily="2" charset="-122"/>
+                <a:cs typeface="Times New Roman" panose="02020603050405020304" pitchFamily="18" charset="0"/>
+              </a:rPr>
+              <a:t>，那么</a:t>
+            </a:r>
+            <a:r>
+              <a:rPr lang="en-US" altLang="zh-CN" sz="1800" kern="100" dirty="0">
+                <a:effectLst/>
+                <a:latin typeface="Calibri" panose="020F0502020204030204" pitchFamily="34" charset="0"/>
+                <a:ea typeface="宋体" panose="02010600030101010101" pitchFamily="2" charset="-122"/>
+                <a:cs typeface="Times New Roman" panose="02020603050405020304" pitchFamily="18" charset="0"/>
+              </a:rPr>
+              <a:t>w</a:t>
+            </a:r>
+            <a:r>
+              <a:rPr lang="zh-CN" altLang="zh-CN" sz="1800" kern="100" dirty="0">
+                <a:effectLst/>
+                <a:latin typeface="Calibri" panose="020F0502020204030204" pitchFamily="34" charset="0"/>
+                <a:ea typeface="宋体" panose="02010600030101010101" pitchFamily="2" charset="-122"/>
+                <a:cs typeface="Times New Roman" panose="02020603050405020304" pitchFamily="18" charset="0"/>
+              </a:rPr>
+              <a:t>在二系下。</a:t>
+            </a:r>
+          </a:p>
+          <a:p>
+            <a:pPr algn="just"/>
+            <a:r>
+              <a:rPr lang="zh-CN" altLang="zh-CN" sz="1800" kern="100" dirty="0">
+                <a:effectLst/>
+                <a:latin typeface="Calibri" panose="020F0502020204030204" pitchFamily="34" charset="0"/>
+                <a:ea typeface="宋体" panose="02010600030101010101" pitchFamily="2" charset="-122"/>
+                <a:cs typeface="Times New Roman" panose="02020603050405020304" pitchFamily="18" charset="0"/>
+              </a:rPr>
+              <a:t>完毕！</a:t>
+            </a:r>
+          </a:p>
+          <a:p>
+            <a:endParaRPr lang="zh-CN" altLang="en-US" dirty="0"/>
           </a:p>
         </p:txBody>
       </p:sp>
@@ -3742,6 +4322,1146 @@
     <p:extLst>
       <p:ext uri="{BB962C8B-B14F-4D97-AF65-F5344CB8AC3E}">
         <p14:creationId xmlns:p14="http://schemas.microsoft.com/office/powerpoint/2010/main" val="447507781"/>
+      </p:ext>
+    </p:extLst>
+  </p:cSld>
+  <p:clrMapOvr>
+    <a:masterClrMapping/>
+  </p:clrMapOvr>
+</p:sld>
+</file>
+
+<file path=ppt/slides/slide13.xml><?xml version="1.0" encoding="utf-8"?>
+<p:sld xmlns:a="http://schemas.openxmlformats.org/drawingml/2006/main" xmlns:r="http://schemas.openxmlformats.org/officeDocument/2006/relationships" xmlns:p="http://schemas.openxmlformats.org/presentationml/2006/main">
+  <p:cSld>
+    <p:spTree>
+      <p:nvGrpSpPr>
+        <p:cNvPr id="1" name=""/>
+        <p:cNvGrpSpPr/>
+        <p:nvPr/>
+      </p:nvGrpSpPr>
+      <p:grpSpPr>
+        <a:xfrm>
+          <a:off x="0" y="0"/>
+          <a:ext cx="0" cy="0"/>
+          <a:chOff x="0" y="0"/>
+          <a:chExt cx="0" cy="0"/>
+        </a:xfrm>
+      </p:grpSpPr>
+      <p:sp>
+        <p:nvSpPr>
+          <p:cNvPr id="2" name="标题 1">
+            <a:extLst>
+              <a:ext uri="{FF2B5EF4-FFF2-40B4-BE49-F238E27FC236}">
+                <a16:creationId xmlns:a16="http://schemas.microsoft.com/office/drawing/2014/main" id="{BAA3C980-77C7-470B-B796-DEFEDED4EC15}"/>
+              </a:ext>
+            </a:extLst>
+          </p:cNvPr>
+          <p:cNvSpPr>
+            <a:spLocks noGrp="1"/>
+          </p:cNvSpPr>
+          <p:nvPr>
+            <p:ph type="title"/>
+          </p:nvPr>
+        </p:nvSpPr>
+        <p:spPr/>
+        <p:txBody>
+          <a:bodyPr/>
+          <a:lstStyle/>
+          <a:p>
+            <a:r>
+              <a:rPr lang="zh-CN" altLang="en-US" dirty="0"/>
+              <a:t>第六章 矩阵李群</a:t>
+            </a:r>
+          </a:p>
+        </p:txBody>
+      </p:sp>
+      <p:sp>
+        <p:nvSpPr>
+          <p:cNvPr id="3" name="内容占位符 2">
+            <a:extLst>
+              <a:ext uri="{FF2B5EF4-FFF2-40B4-BE49-F238E27FC236}">
+                <a16:creationId xmlns:a16="http://schemas.microsoft.com/office/drawing/2014/main" id="{EB3CE47F-DC5E-4BE2-B899-AB33A5B18266}"/>
+              </a:ext>
+            </a:extLst>
+          </p:cNvPr>
+          <p:cNvSpPr>
+            <a:spLocks noGrp="1"/>
+          </p:cNvSpPr>
+          <p:nvPr>
+            <p:ph idx="1"/>
+          </p:nvPr>
+        </p:nvSpPr>
+        <p:spPr/>
+        <p:txBody>
+          <a:bodyPr>
+            <a:normAutofit fontScale="55000" lnSpcReduction="20000"/>
+          </a:bodyPr>
+          <a:lstStyle/>
+          <a:p>
+            <a:r>
+              <a:rPr lang="zh-CN" altLang="en-US" dirty="0"/>
+              <a:t>几何学包括哪</a:t>
+            </a:r>
+            <a:r>
+              <a:rPr lang="en-US" altLang="zh-CN" dirty="0"/>
+              <a:t>7</a:t>
+            </a:r>
+            <a:r>
+              <a:rPr lang="zh-CN" altLang="en-US" dirty="0"/>
+              <a:t>个部分？</a:t>
+            </a:r>
+            <a:endParaRPr lang="en-US" altLang="zh-CN" dirty="0"/>
+          </a:p>
+          <a:p>
+            <a:r>
+              <a:rPr lang="en-US" altLang="zh-CN" dirty="0"/>
+              <a:t>SO3 </a:t>
+            </a:r>
+            <a:r>
+              <a:rPr lang="zh-CN" altLang="en-US" dirty="0"/>
+              <a:t>和 </a:t>
+            </a:r>
+            <a:r>
+              <a:rPr lang="en-US" altLang="zh-CN" dirty="0"/>
+              <a:t>SE3</a:t>
+            </a:r>
+            <a:r>
+              <a:rPr lang="zh-CN" altLang="en-US" dirty="0"/>
+              <a:t>分别是什么？</a:t>
+            </a:r>
+            <a:endParaRPr lang="en-US" altLang="zh-CN" dirty="0"/>
+          </a:p>
+          <a:p>
+            <a:r>
+              <a:rPr lang="zh-CN" altLang="en-US" dirty="0"/>
+              <a:t>如何理解李代数的双定义？</a:t>
+            </a:r>
+            <a:endParaRPr lang="en-US" altLang="zh-CN" dirty="0"/>
+          </a:p>
+          <a:p>
+            <a:r>
+              <a:rPr lang="zh-CN" altLang="en-US" dirty="0"/>
+              <a:t>李括号是啥？用什么符号表示？</a:t>
+            </a:r>
+            <a:endParaRPr lang="en-US" altLang="zh-CN" dirty="0"/>
+          </a:p>
+          <a:p>
+            <a:r>
+              <a:rPr lang="zh-CN" altLang="en-US" dirty="0"/>
+              <a:t>给出一个</a:t>
+            </a:r>
+            <a:r>
+              <a:rPr lang="en-US" altLang="zh-CN" dirty="0"/>
+              <a:t>so3</a:t>
+            </a:r>
+            <a:r>
+              <a:rPr lang="zh-CN" altLang="en-US" dirty="0"/>
+              <a:t>和</a:t>
+            </a:r>
+            <a:r>
+              <a:rPr lang="en-US" altLang="zh-CN" dirty="0"/>
+              <a:t>se3</a:t>
+            </a:r>
+            <a:r>
+              <a:rPr lang="zh-CN" altLang="en-US" dirty="0"/>
+              <a:t>的准确定义吧</a:t>
+            </a:r>
+            <a:endParaRPr lang="en-US" altLang="zh-CN" dirty="0"/>
+          </a:p>
+          <a:p>
+            <a:r>
+              <a:rPr lang="zh-CN" altLang="en-US" dirty="0"/>
+              <a:t>请写出</a:t>
+            </a:r>
+            <a:r>
+              <a:rPr lang="en-US" altLang="zh-CN" dirty="0"/>
+              <a:t>SO3</a:t>
+            </a:r>
+            <a:r>
+              <a:rPr lang="zh-CN" altLang="en-US" dirty="0"/>
+              <a:t>和</a:t>
+            </a:r>
+            <a:r>
+              <a:rPr lang="en-US" altLang="zh-CN" dirty="0"/>
+              <a:t>so3</a:t>
+            </a:r>
+            <a:r>
+              <a:rPr lang="zh-CN" altLang="en-US" dirty="0"/>
+              <a:t>的指数映射和对数映射</a:t>
+            </a:r>
+            <a:endParaRPr lang="en-US" altLang="zh-CN" dirty="0"/>
+          </a:p>
+          <a:p>
+            <a:r>
+              <a:rPr lang="zh-CN" altLang="en-US" dirty="0"/>
+              <a:t>怎样理解李代数是李群幺元处的切空间？</a:t>
+            </a:r>
+            <a:endParaRPr lang="en-US" altLang="zh-CN" dirty="0"/>
+          </a:p>
+          <a:p>
+            <a:r>
+              <a:rPr lang="en-US" altLang="zh-CN" dirty="0"/>
+              <a:t>SE3</a:t>
+            </a:r>
+            <a:r>
+              <a:rPr lang="zh-CN" altLang="en-US" dirty="0"/>
+              <a:t>和</a:t>
+            </a:r>
+            <a:r>
+              <a:rPr lang="en-US" altLang="zh-CN" dirty="0"/>
+              <a:t>se3</a:t>
+            </a:r>
+            <a:r>
+              <a:rPr lang="zh-CN" altLang="en-US" dirty="0"/>
+              <a:t>怎么互相映射？</a:t>
+            </a:r>
+            <a:endParaRPr lang="en-US" altLang="zh-CN" dirty="0"/>
+          </a:p>
+          <a:p>
+            <a:r>
+              <a:rPr lang="zh-CN" altLang="en-US" dirty="0"/>
+              <a:t>请写出罗德里格斯、</a:t>
+            </a:r>
+            <a:r>
+              <a:rPr lang="en-US" altLang="zh-CN" dirty="0"/>
+              <a:t>J</a:t>
+            </a:r>
+            <a:r>
+              <a:rPr lang="zh-CN" altLang="en-US" dirty="0"/>
+              <a:t>、</a:t>
+            </a:r>
+            <a:r>
+              <a:rPr lang="en-US" altLang="zh-CN" dirty="0"/>
+              <a:t>J</a:t>
+            </a:r>
+            <a:r>
+              <a:rPr lang="zh-CN" altLang="en-US" dirty="0"/>
+              <a:t>逆</a:t>
+            </a:r>
+            <a:endParaRPr lang="en-US" altLang="zh-CN" dirty="0"/>
+          </a:p>
+          <a:p>
+            <a:r>
+              <a:rPr lang="zh-CN" altLang="en-US" dirty="0"/>
+              <a:t>请写出</a:t>
+            </a:r>
+            <a:r>
+              <a:rPr lang="en-US" altLang="zh-CN" dirty="0"/>
+              <a:t>SE3</a:t>
+            </a:r>
+            <a:r>
+              <a:rPr lang="zh-CN" altLang="en-US" dirty="0"/>
+              <a:t>的伴随以及</a:t>
+            </a:r>
+            <a:r>
+              <a:rPr lang="en-US" altLang="zh-CN" dirty="0"/>
+              <a:t>se3</a:t>
+            </a:r>
+            <a:r>
+              <a:rPr lang="zh-CN" altLang="en-US" dirty="0"/>
+              <a:t>伴随</a:t>
+            </a:r>
+            <a:endParaRPr lang="en-US" altLang="zh-CN" dirty="0"/>
+          </a:p>
+          <a:p>
+            <a:r>
+              <a:rPr lang="zh-CN" altLang="en-US" dirty="0"/>
+              <a:t>两个重要的换序公式怎么写？</a:t>
+            </a:r>
+            <a:endParaRPr lang="en-US" altLang="zh-CN" dirty="0"/>
+          </a:p>
+          <a:p>
+            <a:r>
+              <a:rPr lang="en-US" altLang="zh-CN" dirty="0"/>
+              <a:t>BCH</a:t>
+            </a:r>
+            <a:r>
+              <a:rPr lang="zh-CN" altLang="en-US" dirty="0"/>
+              <a:t>公式是用来干什么的，</a:t>
+            </a:r>
+            <a:r>
+              <a:rPr lang="en-US" altLang="zh-CN" dirty="0"/>
+              <a:t>SO3</a:t>
+            </a:r>
+            <a:r>
+              <a:rPr lang="zh-CN" altLang="en-US" dirty="0"/>
+              <a:t>上如何体现？</a:t>
+            </a:r>
+            <a:endParaRPr lang="en-US" altLang="zh-CN" dirty="0"/>
+          </a:p>
+          <a:p>
+            <a:r>
+              <a:rPr lang="en-US" altLang="zh-CN" dirty="0"/>
+              <a:t>SLAM</a:t>
+            </a:r>
+            <a:r>
+              <a:rPr lang="zh-CN" altLang="en-US" dirty="0"/>
+              <a:t>里，用于求导的</a:t>
+            </a:r>
+            <a:r>
+              <a:rPr lang="en-US" altLang="zh-CN" dirty="0"/>
+              <a:t>BCH</a:t>
+            </a:r>
+            <a:r>
+              <a:rPr lang="zh-CN" altLang="en-US" dirty="0"/>
+              <a:t>公式是啥样？</a:t>
+            </a:r>
+            <a:endParaRPr lang="en-US" altLang="zh-CN" dirty="0"/>
+          </a:p>
+          <a:p>
+            <a:r>
+              <a:rPr lang="zh-CN" altLang="en-US" dirty="0"/>
+              <a:t>请写出</a:t>
+            </a:r>
+            <a:r>
+              <a:rPr lang="en-US" altLang="zh-CN" dirty="0"/>
+              <a:t>SO3</a:t>
+            </a:r>
+            <a:r>
+              <a:rPr lang="zh-CN" altLang="en-US" dirty="0"/>
+              <a:t>上的距离与插值公式</a:t>
+            </a:r>
+            <a:endParaRPr lang="en-US" altLang="zh-CN" dirty="0"/>
+          </a:p>
+          <a:p>
+            <a:r>
+              <a:rPr lang="zh-CN" altLang="en-US"/>
+              <a:t>请默写求导模型和扰动模型的推导</a:t>
+            </a:r>
+            <a:endParaRPr lang="en-US" altLang="zh-CN" dirty="0"/>
+          </a:p>
+          <a:p>
+            <a:endParaRPr lang="zh-CN" altLang="en-US" dirty="0"/>
+          </a:p>
+        </p:txBody>
+      </p:sp>
+    </p:spTree>
+    <p:extLst>
+      <p:ext uri="{BB962C8B-B14F-4D97-AF65-F5344CB8AC3E}">
+        <p14:creationId xmlns:p14="http://schemas.microsoft.com/office/powerpoint/2010/main" val="1194640971"/>
+      </p:ext>
+    </p:extLst>
+  </p:cSld>
+  <p:clrMapOvr>
+    <a:masterClrMapping/>
+  </p:clrMapOvr>
+</p:sld>
+</file>
+
+<file path=ppt/slides/slide14.xml><?xml version="1.0" encoding="utf-8"?>
+<p:sld xmlns:a="http://schemas.openxmlformats.org/drawingml/2006/main" xmlns:r="http://schemas.openxmlformats.org/officeDocument/2006/relationships" xmlns:p="http://schemas.openxmlformats.org/presentationml/2006/main">
+  <p:cSld>
+    <p:spTree>
+      <p:nvGrpSpPr>
+        <p:cNvPr id="1" name=""/>
+        <p:cNvGrpSpPr/>
+        <p:nvPr/>
+      </p:nvGrpSpPr>
+      <p:grpSpPr>
+        <a:xfrm>
+          <a:off x="0" y="0"/>
+          <a:ext cx="0" cy="0"/>
+          <a:chOff x="0" y="0"/>
+          <a:chExt cx="0" cy="0"/>
+        </a:xfrm>
+      </p:grpSpPr>
+      <p:sp>
+        <p:nvSpPr>
+          <p:cNvPr id="2" name="标题 1">
+            <a:extLst>
+              <a:ext uri="{FF2B5EF4-FFF2-40B4-BE49-F238E27FC236}">
+                <a16:creationId xmlns:a16="http://schemas.microsoft.com/office/drawing/2014/main" id="{17A05493-F951-456E-814B-D5597CE32F27}"/>
+              </a:ext>
+            </a:extLst>
+          </p:cNvPr>
+          <p:cNvSpPr>
+            <a:spLocks noGrp="1"/>
+          </p:cNvSpPr>
+          <p:nvPr>
+            <p:ph type="title"/>
+          </p:nvPr>
+        </p:nvSpPr>
+        <p:spPr/>
+        <p:txBody>
+          <a:bodyPr/>
+          <a:lstStyle/>
+          <a:p>
+            <a:r>
+              <a:rPr lang="zh-CN" altLang="en-US" dirty="0"/>
+              <a:t>回忆 </a:t>
+            </a:r>
+            <a:r>
+              <a:rPr lang="en-US" altLang="zh-CN" dirty="0"/>
+              <a:t>—— </a:t>
+            </a:r>
+            <a:r>
+              <a:rPr lang="zh-CN" altLang="en-US" dirty="0"/>
+              <a:t>矩阵李群</a:t>
+            </a:r>
+          </a:p>
+        </p:txBody>
+      </p:sp>
+      <p:sp>
+        <p:nvSpPr>
+          <p:cNvPr id="3" name="内容占位符 2">
+            <a:extLst>
+              <a:ext uri="{FF2B5EF4-FFF2-40B4-BE49-F238E27FC236}">
+                <a16:creationId xmlns:a16="http://schemas.microsoft.com/office/drawing/2014/main" id="{C52018AB-EE94-49ED-996B-FCBA5CE86B60}"/>
+              </a:ext>
+            </a:extLst>
+          </p:cNvPr>
+          <p:cNvSpPr>
+            <a:spLocks noGrp="1"/>
+          </p:cNvSpPr>
+          <p:nvPr>
+            <p:ph idx="1"/>
+          </p:nvPr>
+        </p:nvSpPr>
+        <p:spPr/>
+        <p:txBody>
+          <a:bodyPr/>
+          <a:lstStyle/>
+          <a:p>
+            <a:r>
+              <a:rPr lang="zh-CN" altLang="en-US" dirty="0"/>
+              <a:t>现在告诉你，矩阵李群分为几何学、运动学、概率统计三部分。</a:t>
+            </a:r>
+            <a:endParaRPr lang="en-US" altLang="zh-CN" dirty="0"/>
+          </a:p>
+          <a:p>
+            <a:r>
+              <a:rPr lang="zh-CN" altLang="en-US" dirty="0"/>
+              <a:t>几何学是关于定义的，运动学是跟角速度关联的，概率统计是如何估计李群李代数的高斯分布</a:t>
+            </a:r>
+            <a:endParaRPr lang="en-US" altLang="zh-CN" dirty="0"/>
+          </a:p>
+          <a:p>
+            <a:r>
+              <a:rPr lang="zh-CN" altLang="en-US" dirty="0"/>
+              <a:t>印象里几何学包括</a:t>
+            </a:r>
+            <a:r>
+              <a:rPr lang="en-US" altLang="zh-CN" dirty="0"/>
+              <a:t>7</a:t>
+            </a:r>
+            <a:r>
+              <a:rPr lang="zh-CN" altLang="en-US" dirty="0"/>
+              <a:t>部分，分别是定义、罗德里格斯公式、微分、伴随、求差插值、积分，还有啥</a:t>
+            </a:r>
+            <a:r>
+              <a:rPr lang="en-US" altLang="zh-CN" dirty="0"/>
+              <a:t>……</a:t>
+            </a:r>
+            <a:r>
+              <a:rPr lang="zh-CN" altLang="en-US" dirty="0"/>
+              <a:t>想不起来了</a:t>
+            </a:r>
+          </a:p>
+        </p:txBody>
+      </p:sp>
+    </p:spTree>
+    <p:extLst>
+      <p:ext uri="{BB962C8B-B14F-4D97-AF65-F5344CB8AC3E}">
+        <p14:creationId xmlns:p14="http://schemas.microsoft.com/office/powerpoint/2010/main" val="1932187326"/>
+      </p:ext>
+    </p:extLst>
+  </p:cSld>
+  <p:clrMapOvr>
+    <a:masterClrMapping/>
+  </p:clrMapOvr>
+</p:sld>
+</file>
+
+<file path=ppt/slides/slide15.xml><?xml version="1.0" encoding="utf-8"?>
+<p:sld xmlns:a="http://schemas.openxmlformats.org/drawingml/2006/main" xmlns:r="http://schemas.openxmlformats.org/officeDocument/2006/relationships" xmlns:p="http://schemas.openxmlformats.org/presentationml/2006/main">
+  <p:cSld>
+    <p:spTree>
+      <p:nvGrpSpPr>
+        <p:cNvPr id="1" name=""/>
+        <p:cNvGrpSpPr/>
+        <p:nvPr/>
+      </p:nvGrpSpPr>
+      <p:grpSpPr>
+        <a:xfrm>
+          <a:off x="0" y="0"/>
+          <a:ext cx="0" cy="0"/>
+          <a:chOff x="0" y="0"/>
+          <a:chExt cx="0" cy="0"/>
+        </a:xfrm>
+      </p:grpSpPr>
+      <p:sp>
+        <p:nvSpPr>
+          <p:cNvPr id="2" name="标题 1">
+            <a:extLst>
+              <a:ext uri="{FF2B5EF4-FFF2-40B4-BE49-F238E27FC236}">
+                <a16:creationId xmlns:a16="http://schemas.microsoft.com/office/drawing/2014/main" id="{3AB2DD59-5BB7-4065-9738-A58A3B0DB875}"/>
+              </a:ext>
+            </a:extLst>
+          </p:cNvPr>
+          <p:cNvSpPr>
+            <a:spLocks noGrp="1"/>
+          </p:cNvSpPr>
+          <p:nvPr>
+            <p:ph type="title"/>
+          </p:nvPr>
+        </p:nvSpPr>
+        <p:spPr/>
+        <p:txBody>
+          <a:bodyPr/>
+          <a:lstStyle/>
+          <a:p>
+            <a:r>
+              <a:rPr lang="zh-CN" altLang="en-US" dirty="0"/>
+              <a:t>几何学包括哪</a:t>
+            </a:r>
+            <a:r>
+              <a:rPr lang="en-US" altLang="zh-CN" dirty="0"/>
+              <a:t>7</a:t>
+            </a:r>
+            <a:r>
+              <a:rPr lang="zh-CN" altLang="en-US" dirty="0"/>
+              <a:t>个部分？</a:t>
+            </a:r>
+          </a:p>
+        </p:txBody>
+      </p:sp>
+      <p:sp>
+        <p:nvSpPr>
+          <p:cNvPr id="3" name="内容占位符 2">
+            <a:extLst>
+              <a:ext uri="{FF2B5EF4-FFF2-40B4-BE49-F238E27FC236}">
+                <a16:creationId xmlns:a16="http://schemas.microsoft.com/office/drawing/2014/main" id="{6CED01DF-52AD-46C9-A1D1-1C6D2E38C143}"/>
+              </a:ext>
+            </a:extLst>
+          </p:cNvPr>
+          <p:cNvSpPr>
+            <a:spLocks noGrp="1"/>
+          </p:cNvSpPr>
+          <p:nvPr>
+            <p:ph idx="1"/>
+          </p:nvPr>
+        </p:nvSpPr>
+        <p:spPr/>
+        <p:txBody>
+          <a:bodyPr/>
+          <a:lstStyle/>
+          <a:p>
+            <a:r>
+              <a:rPr lang="zh-CN" altLang="en-US" dirty="0"/>
+              <a:t>基本定义：包括</a:t>
+            </a:r>
+            <a:r>
+              <a:rPr lang="en-US" altLang="zh-CN" dirty="0"/>
+              <a:t>SO3 </a:t>
+            </a:r>
+            <a:r>
+              <a:rPr lang="en-US" altLang="zh-CN" dirty="0" err="1"/>
+              <a:t>so3</a:t>
+            </a:r>
+            <a:r>
+              <a:rPr lang="en-US" altLang="zh-CN" dirty="0"/>
+              <a:t> SE3 </a:t>
+            </a:r>
+            <a:r>
+              <a:rPr lang="en-US" altLang="zh-CN" dirty="0" err="1"/>
+              <a:t>se3</a:t>
+            </a:r>
+            <a:endParaRPr lang="en-US" altLang="zh-CN" dirty="0"/>
+          </a:p>
+          <a:p>
+            <a:r>
+              <a:rPr lang="zh-CN" altLang="en-US" dirty="0"/>
+              <a:t>指数映射和对数映射</a:t>
+            </a:r>
+            <a:endParaRPr lang="en-US" altLang="zh-CN" dirty="0"/>
+          </a:p>
+          <a:p>
+            <a:r>
+              <a:rPr lang="zh-CN" altLang="en-US" dirty="0"/>
+              <a:t>关于</a:t>
+            </a:r>
+            <a:r>
+              <a:rPr lang="en-US" altLang="zh-CN" dirty="0"/>
+              <a:t>J</a:t>
+            </a:r>
+          </a:p>
+          <a:p>
+            <a:r>
+              <a:rPr lang="zh-CN" altLang="en-US" dirty="0"/>
+              <a:t>关于伴随的一些性质</a:t>
+            </a:r>
+            <a:endParaRPr lang="en-US" altLang="zh-CN" dirty="0"/>
+          </a:p>
+          <a:p>
+            <a:r>
+              <a:rPr lang="en-US" altLang="zh-CN" dirty="0"/>
+              <a:t>BCH</a:t>
+            </a:r>
+            <a:r>
+              <a:rPr lang="zh-CN" altLang="en-US" dirty="0"/>
+              <a:t>公式</a:t>
+            </a:r>
+            <a:endParaRPr lang="en-US" altLang="zh-CN" dirty="0"/>
+          </a:p>
+          <a:p>
+            <a:r>
+              <a:rPr lang="zh-CN" altLang="en-US" dirty="0"/>
+              <a:t>距离与插值</a:t>
+            </a:r>
+            <a:endParaRPr lang="en-US" altLang="zh-CN" dirty="0"/>
+          </a:p>
+          <a:p>
+            <a:r>
+              <a:rPr lang="zh-CN" altLang="en-US" dirty="0"/>
+              <a:t>微分与扰动模型</a:t>
+            </a:r>
+          </a:p>
+        </p:txBody>
+      </p:sp>
+    </p:spTree>
+    <p:extLst>
+      <p:ext uri="{BB962C8B-B14F-4D97-AF65-F5344CB8AC3E}">
+        <p14:creationId xmlns:p14="http://schemas.microsoft.com/office/powerpoint/2010/main" val="180024195"/>
+      </p:ext>
+    </p:extLst>
+  </p:cSld>
+  <p:clrMapOvr>
+    <a:masterClrMapping/>
+  </p:clrMapOvr>
+</p:sld>
+</file>
+
+<file path=ppt/slides/slide16.xml><?xml version="1.0" encoding="utf-8"?>
+<p:sld xmlns:a="http://schemas.openxmlformats.org/drawingml/2006/main" xmlns:r="http://schemas.openxmlformats.org/officeDocument/2006/relationships" xmlns:p="http://schemas.openxmlformats.org/presentationml/2006/main">
+  <p:cSld>
+    <p:spTree>
+      <p:nvGrpSpPr>
+        <p:cNvPr id="1" name=""/>
+        <p:cNvGrpSpPr/>
+        <p:nvPr/>
+      </p:nvGrpSpPr>
+      <p:grpSpPr>
+        <a:xfrm>
+          <a:off x="0" y="0"/>
+          <a:ext cx="0" cy="0"/>
+          <a:chOff x="0" y="0"/>
+          <a:chExt cx="0" cy="0"/>
+        </a:xfrm>
+      </p:grpSpPr>
+      <p:sp>
+        <p:nvSpPr>
+          <p:cNvPr id="2" name="标题 1">
+            <a:extLst>
+              <a:ext uri="{FF2B5EF4-FFF2-40B4-BE49-F238E27FC236}">
+                <a16:creationId xmlns:a16="http://schemas.microsoft.com/office/drawing/2014/main" id="{6A55AF93-12EF-4E20-8E58-D65C16A7973B}"/>
+              </a:ext>
+            </a:extLst>
+          </p:cNvPr>
+          <p:cNvSpPr>
+            <a:spLocks noGrp="1"/>
+          </p:cNvSpPr>
+          <p:nvPr>
+            <p:ph type="title"/>
+          </p:nvPr>
+        </p:nvSpPr>
+        <p:spPr/>
+        <p:txBody>
+          <a:bodyPr/>
+          <a:lstStyle/>
+          <a:p>
+            <a:r>
+              <a:rPr lang="en-US" altLang="zh-CN" dirty="0"/>
+              <a:t>SO3 </a:t>
+            </a:r>
+            <a:r>
+              <a:rPr lang="zh-CN" altLang="en-US" dirty="0"/>
+              <a:t>和 </a:t>
+            </a:r>
+            <a:r>
+              <a:rPr lang="en-US" altLang="zh-CN" dirty="0"/>
+              <a:t>SE3</a:t>
+            </a:r>
+            <a:r>
+              <a:rPr lang="zh-CN" altLang="en-US" dirty="0"/>
+              <a:t>分别是什么？</a:t>
+            </a:r>
+          </a:p>
+        </p:txBody>
+      </p:sp>
+      <p:sp>
+        <p:nvSpPr>
+          <p:cNvPr id="3" name="内容占位符 2">
+            <a:extLst>
+              <a:ext uri="{FF2B5EF4-FFF2-40B4-BE49-F238E27FC236}">
+                <a16:creationId xmlns:a16="http://schemas.microsoft.com/office/drawing/2014/main" id="{3A516AF4-5872-4955-A9CA-2425A006AF91}"/>
+              </a:ext>
+            </a:extLst>
+          </p:cNvPr>
+          <p:cNvSpPr>
+            <a:spLocks noGrp="1"/>
+          </p:cNvSpPr>
+          <p:nvPr>
+            <p:ph idx="1"/>
+          </p:nvPr>
+        </p:nvSpPr>
+        <p:spPr/>
+        <p:txBody>
+          <a:bodyPr/>
+          <a:lstStyle/>
+          <a:p>
+            <a:r>
+              <a:rPr lang="zh-CN" altLang="en-US" dirty="0"/>
+              <a:t>旋转矩阵和变换矩阵</a:t>
+            </a:r>
+          </a:p>
+        </p:txBody>
+      </p:sp>
+    </p:spTree>
+    <p:extLst>
+      <p:ext uri="{BB962C8B-B14F-4D97-AF65-F5344CB8AC3E}">
+        <p14:creationId xmlns:p14="http://schemas.microsoft.com/office/powerpoint/2010/main" val="731824310"/>
+      </p:ext>
+    </p:extLst>
+  </p:cSld>
+  <p:clrMapOvr>
+    <a:masterClrMapping/>
+  </p:clrMapOvr>
+</p:sld>
+</file>
+
+<file path=ppt/slides/slide17.xml><?xml version="1.0" encoding="utf-8"?>
+<p:sld xmlns:a="http://schemas.openxmlformats.org/drawingml/2006/main" xmlns:r="http://schemas.openxmlformats.org/officeDocument/2006/relationships" xmlns:p="http://schemas.openxmlformats.org/presentationml/2006/main">
+  <p:cSld>
+    <p:spTree>
+      <p:nvGrpSpPr>
+        <p:cNvPr id="1" name=""/>
+        <p:cNvGrpSpPr/>
+        <p:nvPr/>
+      </p:nvGrpSpPr>
+      <p:grpSpPr>
+        <a:xfrm>
+          <a:off x="0" y="0"/>
+          <a:ext cx="0" cy="0"/>
+          <a:chOff x="0" y="0"/>
+          <a:chExt cx="0" cy="0"/>
+        </a:xfrm>
+      </p:grpSpPr>
+      <p:sp>
+        <p:nvSpPr>
+          <p:cNvPr id="2" name="标题 1">
+            <a:extLst>
+              <a:ext uri="{FF2B5EF4-FFF2-40B4-BE49-F238E27FC236}">
+                <a16:creationId xmlns:a16="http://schemas.microsoft.com/office/drawing/2014/main" id="{9E801EAE-DA22-4F98-AFD2-48E51407076F}"/>
+              </a:ext>
+            </a:extLst>
+          </p:cNvPr>
+          <p:cNvSpPr>
+            <a:spLocks noGrp="1"/>
+          </p:cNvSpPr>
+          <p:nvPr>
+            <p:ph type="title"/>
+          </p:nvPr>
+        </p:nvSpPr>
+        <p:spPr/>
+        <p:txBody>
+          <a:bodyPr/>
+          <a:lstStyle/>
+          <a:p>
+            <a:r>
+              <a:rPr lang="zh-CN" altLang="en-US" dirty="0"/>
+              <a:t>如何理解李代数的双定义？</a:t>
+            </a:r>
+          </a:p>
+        </p:txBody>
+      </p:sp>
+      <p:sp>
+        <p:nvSpPr>
+          <p:cNvPr id="3" name="内容占位符 2">
+            <a:extLst>
+              <a:ext uri="{FF2B5EF4-FFF2-40B4-BE49-F238E27FC236}">
+                <a16:creationId xmlns:a16="http://schemas.microsoft.com/office/drawing/2014/main" id="{022476B9-60BC-4EDA-AF31-F81B581CAC65}"/>
+              </a:ext>
+            </a:extLst>
+          </p:cNvPr>
+          <p:cNvSpPr>
+            <a:spLocks noGrp="1"/>
+          </p:cNvSpPr>
+          <p:nvPr>
+            <p:ph idx="1"/>
+          </p:nvPr>
+        </p:nvSpPr>
+        <p:spPr/>
+        <p:txBody>
+          <a:bodyPr/>
+          <a:lstStyle/>
+          <a:p>
+            <a:r>
+              <a:rPr lang="zh-CN" altLang="en-US" dirty="0"/>
+              <a:t>李代数的定义是一个向量空间，以及一个矩阵空间</a:t>
+            </a:r>
+            <a:endParaRPr lang="en-US" altLang="zh-CN" dirty="0"/>
+          </a:p>
+          <a:p>
+            <a:r>
+              <a:rPr lang="zh-CN" altLang="en-US" dirty="0"/>
+              <a:t>向量跟矩阵是一一对应的</a:t>
+            </a:r>
+            <a:endParaRPr lang="en-US" altLang="zh-CN" dirty="0"/>
+          </a:p>
+          <a:p>
+            <a:r>
+              <a:rPr lang="zh-CN" altLang="en-US" dirty="0"/>
+              <a:t>向量到矩阵的映射定义为上尖尖</a:t>
+            </a:r>
+            <a:endParaRPr lang="en-US" altLang="zh-CN" dirty="0"/>
+          </a:p>
+          <a:p>
+            <a:r>
+              <a:rPr lang="en-US" altLang="zh-CN" dirty="0"/>
+              <a:t>so3</a:t>
+            </a:r>
+            <a:r>
+              <a:rPr lang="zh-CN" altLang="en-US" dirty="0"/>
+              <a:t>下，上尖尖为叉乘；</a:t>
+            </a:r>
+            <a:r>
+              <a:rPr lang="en-US" altLang="zh-CN" dirty="0"/>
+              <a:t>se3</a:t>
+            </a:r>
+            <a:r>
+              <a:rPr lang="zh-CN" altLang="en-US" dirty="0"/>
+              <a:t>下，上尖尖需要重载</a:t>
+            </a:r>
+          </a:p>
+        </p:txBody>
+      </p:sp>
+      <p:pic>
+        <p:nvPicPr>
+          <p:cNvPr id="5" name="图片 4">
+            <a:extLst>
+              <a:ext uri="{FF2B5EF4-FFF2-40B4-BE49-F238E27FC236}">
+                <a16:creationId xmlns:a16="http://schemas.microsoft.com/office/drawing/2014/main" id="{1DD4F2E3-0746-4C91-BC6B-670019621F67}"/>
+              </a:ext>
+            </a:extLst>
+          </p:cNvPr>
+          <p:cNvPicPr>
+            <a:picLocks noChangeAspect="1"/>
+          </p:cNvPicPr>
+          <p:nvPr/>
+        </p:nvPicPr>
+        <p:blipFill>
+          <a:blip r:embed="rId2"/>
+          <a:stretch>
+            <a:fillRect/>
+          </a:stretch>
+        </p:blipFill>
+        <p:spPr>
+          <a:xfrm>
+            <a:off x="1154286" y="4351512"/>
+            <a:ext cx="5113463" cy="1341236"/>
+          </a:xfrm>
+          <a:prstGeom prst="rect">
+            <a:avLst/>
+          </a:prstGeom>
+        </p:spPr>
+      </p:pic>
+    </p:spTree>
+    <p:extLst>
+      <p:ext uri="{BB962C8B-B14F-4D97-AF65-F5344CB8AC3E}">
+        <p14:creationId xmlns:p14="http://schemas.microsoft.com/office/powerpoint/2010/main" val="2613791568"/>
+      </p:ext>
+    </p:extLst>
+  </p:cSld>
+  <p:clrMapOvr>
+    <a:masterClrMapping/>
+  </p:clrMapOvr>
+</p:sld>
+</file>
+
+<file path=ppt/slides/slide18.xml><?xml version="1.0" encoding="utf-8"?>
+<p:sld xmlns:a="http://schemas.openxmlformats.org/drawingml/2006/main" xmlns:r="http://schemas.openxmlformats.org/officeDocument/2006/relationships" xmlns:p="http://schemas.openxmlformats.org/presentationml/2006/main">
+  <p:cSld>
+    <p:spTree>
+      <p:nvGrpSpPr>
+        <p:cNvPr id="1" name=""/>
+        <p:cNvGrpSpPr/>
+        <p:nvPr/>
+      </p:nvGrpSpPr>
+      <p:grpSpPr>
+        <a:xfrm>
+          <a:off x="0" y="0"/>
+          <a:ext cx="0" cy="0"/>
+          <a:chOff x="0" y="0"/>
+          <a:chExt cx="0" cy="0"/>
+        </a:xfrm>
+      </p:grpSpPr>
+      <p:sp>
+        <p:nvSpPr>
+          <p:cNvPr id="2" name="标题 1">
+            <a:extLst>
+              <a:ext uri="{FF2B5EF4-FFF2-40B4-BE49-F238E27FC236}">
+                <a16:creationId xmlns:a16="http://schemas.microsoft.com/office/drawing/2014/main" id="{E4C5670D-BD2A-43D2-A3BF-4E4C9F8F1AD0}"/>
+              </a:ext>
+            </a:extLst>
+          </p:cNvPr>
+          <p:cNvSpPr>
+            <a:spLocks noGrp="1"/>
+          </p:cNvSpPr>
+          <p:nvPr>
+            <p:ph type="title"/>
+          </p:nvPr>
+        </p:nvSpPr>
+        <p:spPr/>
+        <p:txBody>
+          <a:bodyPr/>
+          <a:lstStyle/>
+          <a:p>
+            <a:r>
+              <a:rPr lang="zh-CN" altLang="en-US" dirty="0"/>
+              <a:t>李括号是啥？用什么符号表示？</a:t>
+            </a:r>
+          </a:p>
+        </p:txBody>
+      </p:sp>
+      <p:sp>
+        <p:nvSpPr>
+          <p:cNvPr id="3" name="内容占位符 2">
+            <a:extLst>
+              <a:ext uri="{FF2B5EF4-FFF2-40B4-BE49-F238E27FC236}">
+                <a16:creationId xmlns:a16="http://schemas.microsoft.com/office/drawing/2014/main" id="{D9A08C0F-62BC-4CA5-BE74-F097FF0D5D1C}"/>
+              </a:ext>
+            </a:extLst>
+          </p:cNvPr>
+          <p:cNvSpPr>
+            <a:spLocks noGrp="1"/>
+          </p:cNvSpPr>
+          <p:nvPr>
+            <p:ph idx="1"/>
+          </p:nvPr>
+        </p:nvSpPr>
+        <p:spPr/>
+        <p:txBody>
+          <a:bodyPr/>
+          <a:lstStyle/>
+          <a:p>
+            <a:r>
+              <a:rPr lang="zh-CN" altLang="en-US" dirty="0"/>
+              <a:t>李括号就是包含在李代数定义中的“运算”</a:t>
+            </a:r>
+            <a:endParaRPr lang="en-US" altLang="zh-CN" dirty="0"/>
+          </a:p>
+          <a:p>
+            <a:r>
+              <a:rPr lang="en-US" altLang="zh-CN" dirty="0"/>
+              <a:t>so3</a:t>
+            </a:r>
+            <a:r>
+              <a:rPr lang="zh-CN" altLang="en-US" dirty="0"/>
+              <a:t>的李括号是就是向量叉乘</a:t>
+            </a:r>
+            <a:r>
+              <a:rPr lang="en-US" altLang="zh-CN" dirty="0"/>
+              <a:t>(</a:t>
+            </a:r>
+            <a:r>
+              <a:rPr lang="zh-CN" altLang="en-US" dirty="0"/>
+              <a:t>反对称算子</a:t>
+            </a:r>
+            <a:r>
+              <a:rPr lang="en-US" altLang="zh-CN" dirty="0"/>
+              <a:t>)</a:t>
+            </a:r>
+          </a:p>
+          <a:p>
+            <a:r>
+              <a:rPr lang="en-US" altLang="zh-CN" dirty="0"/>
+              <a:t>se3</a:t>
+            </a:r>
+            <a:r>
+              <a:rPr lang="zh-CN" altLang="en-US" dirty="0"/>
+              <a:t>的李括号也是一个向量转矩阵的算子，需要重载</a:t>
+            </a:r>
+            <a:endParaRPr lang="en-US" altLang="zh-CN" dirty="0"/>
+          </a:p>
+          <a:p>
+            <a:endParaRPr lang="en-US" altLang="zh-CN" dirty="0"/>
+          </a:p>
+          <a:p>
+            <a:endParaRPr lang="en-US" altLang="zh-CN" dirty="0"/>
+          </a:p>
+          <a:p>
+            <a:endParaRPr lang="zh-CN" altLang="en-US" dirty="0"/>
+          </a:p>
+        </p:txBody>
+      </p:sp>
+      <p:pic>
+        <p:nvPicPr>
+          <p:cNvPr id="5" name="图片 4">
+            <a:extLst>
+              <a:ext uri="{FF2B5EF4-FFF2-40B4-BE49-F238E27FC236}">
+                <a16:creationId xmlns:a16="http://schemas.microsoft.com/office/drawing/2014/main" id="{BCBB8D43-7884-4D9A-834F-96C1D16F3F1E}"/>
+              </a:ext>
+            </a:extLst>
+          </p:cNvPr>
+          <p:cNvPicPr>
+            <a:picLocks noChangeAspect="1"/>
+          </p:cNvPicPr>
+          <p:nvPr/>
+        </p:nvPicPr>
+        <p:blipFill>
+          <a:blip r:embed="rId2"/>
+          <a:stretch>
+            <a:fillRect/>
+          </a:stretch>
+        </p:blipFill>
+        <p:spPr>
+          <a:xfrm>
+            <a:off x="2949166" y="4167752"/>
+            <a:ext cx="4747671" cy="784928"/>
+          </a:xfrm>
+          <a:prstGeom prst="rect">
+            <a:avLst/>
+          </a:prstGeom>
+        </p:spPr>
+      </p:pic>
+    </p:spTree>
+    <p:extLst>
+      <p:ext uri="{BB962C8B-B14F-4D97-AF65-F5344CB8AC3E}">
+        <p14:creationId xmlns:p14="http://schemas.microsoft.com/office/powerpoint/2010/main" val="3161720826"/>
+      </p:ext>
+    </p:extLst>
+  </p:cSld>
+  <p:clrMapOvr>
+    <a:masterClrMapping/>
+  </p:clrMapOvr>
+</p:sld>
+</file>
+
+<file path=ppt/slides/slide19.xml><?xml version="1.0" encoding="utf-8"?>
+<p:sld xmlns:a="http://schemas.openxmlformats.org/drawingml/2006/main" xmlns:r="http://schemas.openxmlformats.org/officeDocument/2006/relationships" xmlns:p="http://schemas.openxmlformats.org/presentationml/2006/main">
+  <p:cSld>
+    <p:spTree>
+      <p:nvGrpSpPr>
+        <p:cNvPr id="1" name=""/>
+        <p:cNvGrpSpPr/>
+        <p:nvPr/>
+      </p:nvGrpSpPr>
+      <p:grpSpPr>
+        <a:xfrm>
+          <a:off x="0" y="0"/>
+          <a:ext cx="0" cy="0"/>
+          <a:chOff x="0" y="0"/>
+          <a:chExt cx="0" cy="0"/>
+        </a:xfrm>
+      </p:grpSpPr>
+      <p:sp>
+        <p:nvSpPr>
+          <p:cNvPr id="2" name="标题 1">
+            <a:extLst>
+              <a:ext uri="{FF2B5EF4-FFF2-40B4-BE49-F238E27FC236}">
+                <a16:creationId xmlns:a16="http://schemas.microsoft.com/office/drawing/2014/main" id="{761FAA2B-DF82-451B-B318-9DB9119F57EE}"/>
+              </a:ext>
+            </a:extLst>
+          </p:cNvPr>
+          <p:cNvSpPr>
+            <a:spLocks noGrp="1"/>
+          </p:cNvSpPr>
+          <p:nvPr>
+            <p:ph type="title"/>
+          </p:nvPr>
+        </p:nvSpPr>
+        <p:spPr/>
+        <p:txBody>
+          <a:bodyPr/>
+          <a:lstStyle/>
+          <a:p>
+            <a:r>
+              <a:rPr lang="zh-CN" altLang="en-US" dirty="0"/>
+              <a:t>给出一个</a:t>
+            </a:r>
+            <a:r>
+              <a:rPr lang="en-US" altLang="zh-CN" dirty="0"/>
+              <a:t>so3</a:t>
+            </a:r>
+            <a:r>
+              <a:rPr lang="zh-CN" altLang="en-US" dirty="0"/>
+              <a:t>和</a:t>
+            </a:r>
+            <a:r>
+              <a:rPr lang="en-US" altLang="zh-CN" dirty="0"/>
+              <a:t>se3</a:t>
+            </a:r>
+            <a:r>
+              <a:rPr lang="zh-CN" altLang="en-US" dirty="0"/>
+              <a:t>的准确定义吧</a:t>
+            </a:r>
+          </a:p>
+        </p:txBody>
+      </p:sp>
+      <p:sp>
+        <p:nvSpPr>
+          <p:cNvPr id="3" name="内容占位符 2">
+            <a:extLst>
+              <a:ext uri="{FF2B5EF4-FFF2-40B4-BE49-F238E27FC236}">
+                <a16:creationId xmlns:a16="http://schemas.microsoft.com/office/drawing/2014/main" id="{02B04C41-0D3E-4D33-88EE-42CF3C004E5F}"/>
+              </a:ext>
+            </a:extLst>
+          </p:cNvPr>
+          <p:cNvSpPr>
+            <a:spLocks noGrp="1"/>
+          </p:cNvSpPr>
+          <p:nvPr>
+            <p:ph idx="1"/>
+          </p:nvPr>
+        </p:nvSpPr>
+        <p:spPr/>
+        <p:txBody>
+          <a:bodyPr/>
+          <a:lstStyle/>
+          <a:p>
+            <a:r>
+              <a:rPr lang="zh-CN" altLang="en-US" dirty="0"/>
+              <a:t>三维向量空间</a:t>
+            </a:r>
+            <a:r>
+              <a:rPr lang="en-US" altLang="zh-CN" dirty="0"/>
+              <a:t>R^3</a:t>
+            </a:r>
+            <a:r>
+              <a:rPr lang="zh-CN" altLang="en-US" dirty="0"/>
+              <a:t>和反对称算子构成</a:t>
+            </a:r>
+            <a:r>
+              <a:rPr lang="en-US" altLang="zh-CN" dirty="0"/>
+              <a:t>so3</a:t>
+            </a:r>
+          </a:p>
+          <a:p>
+            <a:r>
+              <a:rPr lang="zh-CN" altLang="en-US" dirty="0"/>
+              <a:t>六维向量空间</a:t>
+            </a:r>
+            <a:r>
+              <a:rPr lang="en-US" altLang="zh-CN" dirty="0"/>
+              <a:t>R^6</a:t>
+            </a:r>
+            <a:r>
+              <a:rPr lang="zh-CN" altLang="en-US" dirty="0"/>
+              <a:t>和上弯弯算子构成</a:t>
+            </a:r>
+            <a:r>
+              <a:rPr lang="en-US" altLang="zh-CN" dirty="0"/>
+              <a:t>se3</a:t>
+            </a:r>
+            <a:endParaRPr lang="zh-CN" altLang="en-US" dirty="0"/>
+          </a:p>
+        </p:txBody>
+      </p:sp>
+    </p:spTree>
+    <p:extLst>
+      <p:ext uri="{BB962C8B-B14F-4D97-AF65-F5344CB8AC3E}">
+        <p14:creationId xmlns:p14="http://schemas.microsoft.com/office/powerpoint/2010/main" val="3476494122"/>
       </p:ext>
     </p:extLst>
   </p:cSld>
@@ -3890,6 +5610,1632 @@
 </p:sld>
 </file>
 
+<file path=ppt/slides/slide20.xml><?xml version="1.0" encoding="utf-8"?>
+<p:sld xmlns:a="http://schemas.openxmlformats.org/drawingml/2006/main" xmlns:r="http://schemas.openxmlformats.org/officeDocument/2006/relationships" xmlns:p="http://schemas.openxmlformats.org/presentationml/2006/main">
+  <p:cSld>
+    <p:spTree>
+      <p:nvGrpSpPr>
+        <p:cNvPr id="1" name=""/>
+        <p:cNvGrpSpPr/>
+        <p:nvPr/>
+      </p:nvGrpSpPr>
+      <p:grpSpPr>
+        <a:xfrm>
+          <a:off x="0" y="0"/>
+          <a:ext cx="0" cy="0"/>
+          <a:chOff x="0" y="0"/>
+          <a:chExt cx="0" cy="0"/>
+        </a:xfrm>
+      </p:grpSpPr>
+      <p:sp>
+        <p:nvSpPr>
+          <p:cNvPr id="2" name="标题 1">
+            <a:extLst>
+              <a:ext uri="{FF2B5EF4-FFF2-40B4-BE49-F238E27FC236}">
+                <a16:creationId xmlns:a16="http://schemas.microsoft.com/office/drawing/2014/main" id="{14EA2FBC-7C31-4EFA-B28F-4C6736B6AA91}"/>
+              </a:ext>
+            </a:extLst>
+          </p:cNvPr>
+          <p:cNvSpPr>
+            <a:spLocks noGrp="1"/>
+          </p:cNvSpPr>
+          <p:nvPr>
+            <p:ph type="title"/>
+          </p:nvPr>
+        </p:nvSpPr>
+        <p:spPr/>
+        <p:txBody>
+          <a:bodyPr/>
+          <a:lstStyle/>
+          <a:p>
+            <a:r>
+              <a:rPr lang="zh-CN" altLang="en-US" dirty="0"/>
+              <a:t>请写出</a:t>
+            </a:r>
+            <a:r>
+              <a:rPr lang="en-US" altLang="zh-CN" dirty="0"/>
+              <a:t>SO3</a:t>
+            </a:r>
+            <a:r>
+              <a:rPr lang="zh-CN" altLang="en-US" dirty="0"/>
+              <a:t>和</a:t>
+            </a:r>
+            <a:r>
+              <a:rPr lang="en-US" altLang="zh-CN" dirty="0"/>
+              <a:t>so3</a:t>
+            </a:r>
+            <a:r>
+              <a:rPr lang="zh-CN" altLang="en-US" dirty="0"/>
+              <a:t>的指数映射和对数映射</a:t>
+            </a:r>
+          </a:p>
+        </p:txBody>
+      </p:sp>
+      <p:sp>
+        <p:nvSpPr>
+          <p:cNvPr id="3" name="内容占位符 2">
+            <a:extLst>
+              <a:ext uri="{FF2B5EF4-FFF2-40B4-BE49-F238E27FC236}">
+                <a16:creationId xmlns:a16="http://schemas.microsoft.com/office/drawing/2014/main" id="{EBCA225B-8D6E-4AE3-992C-541CF1D7C915}"/>
+              </a:ext>
+            </a:extLst>
+          </p:cNvPr>
+          <p:cNvSpPr>
+            <a:spLocks noGrp="1"/>
+          </p:cNvSpPr>
+          <p:nvPr>
+            <p:ph idx="1"/>
+          </p:nvPr>
+        </p:nvSpPr>
+        <p:spPr/>
+        <p:txBody>
+          <a:bodyPr/>
+          <a:lstStyle/>
+          <a:p>
+            <a:r>
+              <a:rPr lang="zh-CN" altLang="en-US" dirty="0"/>
+              <a:t>指数映射和对数映射有特定的公式，但不必记忆</a:t>
+            </a:r>
+            <a:endParaRPr lang="en-US" altLang="zh-CN" dirty="0"/>
+          </a:p>
+          <a:p>
+            <a:r>
+              <a:rPr lang="zh-CN" altLang="en-US" dirty="0"/>
+              <a:t>指数映射就是罗德里格斯公式</a:t>
+            </a:r>
+            <a:endParaRPr lang="en-US" altLang="zh-CN" dirty="0"/>
+          </a:p>
+          <a:p>
+            <a:r>
+              <a:rPr lang="zh-CN" altLang="en-US" dirty="0"/>
+              <a:t>罗德里格斯公式是单位阵</a:t>
+            </a:r>
+            <a:r>
+              <a:rPr lang="en-US" altLang="zh-CN" dirty="0"/>
+              <a:t>I</a:t>
+            </a:r>
+            <a:r>
+              <a:rPr lang="zh-CN" altLang="en-US" dirty="0"/>
+              <a:t>，自展阵</a:t>
+            </a:r>
+            <a:r>
+              <a:rPr lang="en-US" altLang="zh-CN" dirty="0" err="1"/>
+              <a:t>nn</a:t>
+            </a:r>
+            <a:r>
+              <a:rPr lang="en-US" altLang="zh-CN" baseline="30000" dirty="0" err="1"/>
+              <a:t>T</a:t>
+            </a:r>
+            <a:r>
+              <a:rPr lang="zh-CN" altLang="en-US" dirty="0"/>
+              <a:t>以及</a:t>
+            </a:r>
+            <a:r>
+              <a:rPr lang="en-US" altLang="zh-CN" dirty="0"/>
+              <a:t>n^</a:t>
+            </a:r>
+            <a:r>
+              <a:rPr lang="zh-CN" altLang="en-US" dirty="0"/>
+              <a:t>的线性组合</a:t>
+            </a:r>
+            <a:endParaRPr lang="en-US" altLang="zh-CN" dirty="0"/>
+          </a:p>
+          <a:p>
+            <a:endParaRPr lang="en-US" altLang="zh-CN" dirty="0"/>
+          </a:p>
+          <a:p>
+            <a:endParaRPr lang="en-US" altLang="zh-CN" dirty="0"/>
+          </a:p>
+          <a:p>
+            <a:r>
+              <a:rPr lang="en-US" altLang="zh-CN" dirty="0"/>
+              <a:t>SO3 </a:t>
+            </a:r>
+            <a:r>
+              <a:rPr lang="zh-CN" altLang="en-US" dirty="0"/>
+              <a:t>到 </a:t>
+            </a:r>
+            <a:r>
+              <a:rPr lang="en-US" altLang="zh-CN" dirty="0"/>
+              <a:t>se3 </a:t>
+            </a:r>
+            <a:r>
+              <a:rPr lang="zh-CN" altLang="en-US" dirty="0"/>
+              <a:t>： 用</a:t>
+            </a:r>
+            <a:r>
+              <a:rPr lang="en-US" altLang="zh-CN" dirty="0"/>
+              <a:t>Ca = a </a:t>
+            </a:r>
+            <a:r>
+              <a:rPr lang="zh-CN" altLang="en-US" dirty="0"/>
+              <a:t>取特征值为</a:t>
+            </a:r>
+            <a:r>
+              <a:rPr lang="en-US" altLang="zh-CN" dirty="0"/>
+              <a:t>1</a:t>
+            </a:r>
+            <a:r>
+              <a:rPr lang="zh-CN" altLang="en-US" dirty="0"/>
+              <a:t>，求转轴</a:t>
+            </a:r>
+            <a:endParaRPr lang="en-US" altLang="zh-CN" dirty="0"/>
+          </a:p>
+          <a:p>
+            <a:r>
+              <a:rPr lang="zh-CN" altLang="en-US" dirty="0"/>
+              <a:t>转角：旋转矩阵</a:t>
+            </a:r>
+            <a:r>
+              <a:rPr lang="en-US" altLang="zh-CN" dirty="0"/>
+              <a:t>C</a:t>
+            </a:r>
+            <a:r>
+              <a:rPr lang="zh-CN" altLang="en-US" dirty="0"/>
+              <a:t>的迹 </a:t>
+            </a:r>
+            <a:r>
+              <a:rPr lang="en-US" altLang="zh-CN" dirty="0"/>
+              <a:t>= 2 </a:t>
+            </a:r>
+            <a:r>
+              <a:rPr lang="zh-CN" altLang="en-US" dirty="0"/>
+              <a:t>* 旋转角 </a:t>
+            </a:r>
+            <a:r>
+              <a:rPr lang="en-US" altLang="zh-CN" dirty="0"/>
+              <a:t>+ 1</a:t>
+            </a:r>
+            <a:endParaRPr lang="zh-CN" altLang="en-US" dirty="0"/>
+          </a:p>
+        </p:txBody>
+      </p:sp>
+      <p:pic>
+        <p:nvPicPr>
+          <p:cNvPr id="5" name="图片 4">
+            <a:extLst>
+              <a:ext uri="{FF2B5EF4-FFF2-40B4-BE49-F238E27FC236}">
+                <a16:creationId xmlns:a16="http://schemas.microsoft.com/office/drawing/2014/main" id="{844FA658-A165-4C20-9A28-D118D1A2FF98}"/>
+              </a:ext>
+            </a:extLst>
+          </p:cNvPr>
+          <p:cNvPicPr>
+            <a:picLocks noChangeAspect="1"/>
+          </p:cNvPicPr>
+          <p:nvPr/>
+        </p:nvPicPr>
+        <p:blipFill>
+          <a:blip r:embed="rId2"/>
+          <a:stretch>
+            <a:fillRect/>
+          </a:stretch>
+        </p:blipFill>
+        <p:spPr>
+          <a:xfrm>
+            <a:off x="3867743" y="3429000"/>
+            <a:ext cx="3391194" cy="685859"/>
+          </a:xfrm>
+          <a:prstGeom prst="rect">
+            <a:avLst/>
+          </a:prstGeom>
+        </p:spPr>
+      </p:pic>
+    </p:spTree>
+    <p:extLst>
+      <p:ext uri="{BB962C8B-B14F-4D97-AF65-F5344CB8AC3E}">
+        <p14:creationId xmlns:p14="http://schemas.microsoft.com/office/powerpoint/2010/main" val="845337360"/>
+      </p:ext>
+    </p:extLst>
+  </p:cSld>
+  <p:clrMapOvr>
+    <a:masterClrMapping/>
+  </p:clrMapOvr>
+</p:sld>
+</file>
+
+<file path=ppt/slides/slide21.xml><?xml version="1.0" encoding="utf-8"?>
+<p:sld xmlns:a="http://schemas.openxmlformats.org/drawingml/2006/main" xmlns:r="http://schemas.openxmlformats.org/officeDocument/2006/relationships" xmlns:p="http://schemas.openxmlformats.org/presentationml/2006/main">
+  <p:cSld>
+    <p:spTree>
+      <p:nvGrpSpPr>
+        <p:cNvPr id="1" name=""/>
+        <p:cNvGrpSpPr/>
+        <p:nvPr/>
+      </p:nvGrpSpPr>
+      <p:grpSpPr>
+        <a:xfrm>
+          <a:off x="0" y="0"/>
+          <a:ext cx="0" cy="0"/>
+          <a:chOff x="0" y="0"/>
+          <a:chExt cx="0" cy="0"/>
+        </a:xfrm>
+      </p:grpSpPr>
+      <p:sp>
+        <p:nvSpPr>
+          <p:cNvPr id="2" name="标题 1">
+            <a:extLst>
+              <a:ext uri="{FF2B5EF4-FFF2-40B4-BE49-F238E27FC236}">
+                <a16:creationId xmlns:a16="http://schemas.microsoft.com/office/drawing/2014/main" id="{F8175ECC-9D57-438F-A395-FA4464DF5D9D}"/>
+              </a:ext>
+            </a:extLst>
+          </p:cNvPr>
+          <p:cNvSpPr>
+            <a:spLocks noGrp="1"/>
+          </p:cNvSpPr>
+          <p:nvPr>
+            <p:ph type="title"/>
+          </p:nvPr>
+        </p:nvSpPr>
+        <p:spPr/>
+        <p:txBody>
+          <a:bodyPr/>
+          <a:lstStyle/>
+          <a:p>
+            <a:r>
+              <a:rPr lang="zh-CN" altLang="en-US" dirty="0"/>
+              <a:t>怎样理解李代数是李群幺元处的切空间？</a:t>
+            </a:r>
+          </a:p>
+        </p:txBody>
+      </p:sp>
+      <p:sp>
+        <p:nvSpPr>
+          <p:cNvPr id="3" name="内容占位符 2">
+            <a:extLst>
+              <a:ext uri="{FF2B5EF4-FFF2-40B4-BE49-F238E27FC236}">
+                <a16:creationId xmlns:a16="http://schemas.microsoft.com/office/drawing/2014/main" id="{2C1BE10F-32E8-4C2B-B0CC-EDEFA938F3DB}"/>
+              </a:ext>
+            </a:extLst>
+          </p:cNvPr>
+          <p:cNvSpPr>
+            <a:spLocks noGrp="1"/>
+          </p:cNvSpPr>
+          <p:nvPr>
+            <p:ph idx="1"/>
+          </p:nvPr>
+        </p:nvSpPr>
+        <p:spPr/>
+        <p:txBody>
+          <a:bodyPr/>
+          <a:lstStyle/>
+          <a:p>
+            <a:r>
+              <a:rPr lang="zh-CN" altLang="en-US" dirty="0"/>
+              <a:t>把李群的流形想象成一个球面</a:t>
+            </a:r>
+            <a:endParaRPr lang="en-US" altLang="zh-CN" dirty="0"/>
+          </a:p>
+          <a:p>
+            <a:r>
+              <a:rPr lang="zh-CN" altLang="en-US" dirty="0"/>
+              <a:t>李群上的任何微小变化都反映在李代数向量上面</a:t>
+            </a:r>
+            <a:endParaRPr lang="en-US" altLang="zh-CN" dirty="0"/>
+          </a:p>
+          <a:p>
+            <a:r>
+              <a:rPr lang="zh-CN" altLang="en-US" dirty="0"/>
+              <a:t>这些李代数向量的集合构成一个平面，而且是切平面</a:t>
+            </a:r>
+            <a:endParaRPr lang="en-US" altLang="zh-CN" dirty="0"/>
+          </a:p>
+          <a:p>
+            <a:r>
+              <a:rPr lang="zh-CN" altLang="en-US" dirty="0"/>
+              <a:t>为什么是幺元？李群的幺元就是单位阵。任何微小的转动都是左乘或右乘一个与单位阵近似的旋转矩阵。李代数体现的微小转动性质，所以李代数是李群幺元处的切空间。</a:t>
+            </a:r>
+          </a:p>
+        </p:txBody>
+      </p:sp>
+    </p:spTree>
+    <p:extLst>
+      <p:ext uri="{BB962C8B-B14F-4D97-AF65-F5344CB8AC3E}">
+        <p14:creationId xmlns:p14="http://schemas.microsoft.com/office/powerpoint/2010/main" val="4274267719"/>
+      </p:ext>
+    </p:extLst>
+  </p:cSld>
+  <p:clrMapOvr>
+    <a:masterClrMapping/>
+  </p:clrMapOvr>
+</p:sld>
+</file>
+
+<file path=ppt/slides/slide22.xml><?xml version="1.0" encoding="utf-8"?>
+<p:sld xmlns:a="http://schemas.openxmlformats.org/drawingml/2006/main" xmlns:r="http://schemas.openxmlformats.org/officeDocument/2006/relationships" xmlns:p="http://schemas.openxmlformats.org/presentationml/2006/main">
+  <p:cSld>
+    <p:spTree>
+      <p:nvGrpSpPr>
+        <p:cNvPr id="1" name=""/>
+        <p:cNvGrpSpPr/>
+        <p:nvPr/>
+      </p:nvGrpSpPr>
+      <p:grpSpPr>
+        <a:xfrm>
+          <a:off x="0" y="0"/>
+          <a:ext cx="0" cy="0"/>
+          <a:chOff x="0" y="0"/>
+          <a:chExt cx="0" cy="0"/>
+        </a:xfrm>
+      </p:grpSpPr>
+      <p:sp>
+        <p:nvSpPr>
+          <p:cNvPr id="2" name="标题 1">
+            <a:extLst>
+              <a:ext uri="{FF2B5EF4-FFF2-40B4-BE49-F238E27FC236}">
+                <a16:creationId xmlns:a16="http://schemas.microsoft.com/office/drawing/2014/main" id="{66E8CB90-B099-478A-AC3A-8AF09DDE8D01}"/>
+              </a:ext>
+            </a:extLst>
+          </p:cNvPr>
+          <p:cNvSpPr>
+            <a:spLocks noGrp="1"/>
+          </p:cNvSpPr>
+          <p:nvPr>
+            <p:ph type="title"/>
+          </p:nvPr>
+        </p:nvSpPr>
+        <p:spPr/>
+        <p:txBody>
+          <a:bodyPr/>
+          <a:lstStyle/>
+          <a:p>
+            <a:r>
+              <a:rPr lang="en-US" altLang="zh-CN" dirty="0"/>
+              <a:t>SE3</a:t>
+            </a:r>
+            <a:r>
+              <a:rPr lang="zh-CN" altLang="en-US" dirty="0"/>
+              <a:t>和</a:t>
+            </a:r>
+            <a:r>
+              <a:rPr lang="en-US" altLang="zh-CN" dirty="0"/>
+              <a:t>se3</a:t>
+            </a:r>
+            <a:r>
+              <a:rPr lang="zh-CN" altLang="en-US" dirty="0"/>
+              <a:t>怎么互相映射？</a:t>
+            </a:r>
+          </a:p>
+        </p:txBody>
+      </p:sp>
+      <p:sp>
+        <p:nvSpPr>
+          <p:cNvPr id="3" name="内容占位符 2">
+            <a:extLst>
+              <a:ext uri="{FF2B5EF4-FFF2-40B4-BE49-F238E27FC236}">
+                <a16:creationId xmlns:a16="http://schemas.microsoft.com/office/drawing/2014/main" id="{EDBE23B9-F0AD-4B02-90F2-B115725730D4}"/>
+              </a:ext>
+            </a:extLst>
+          </p:cNvPr>
+          <p:cNvSpPr>
+            <a:spLocks noGrp="1"/>
+          </p:cNvSpPr>
+          <p:nvPr>
+            <p:ph idx="1"/>
+          </p:nvPr>
+        </p:nvSpPr>
+        <p:spPr/>
+        <p:txBody>
+          <a:bodyPr/>
+          <a:lstStyle/>
+          <a:p>
+            <a:r>
+              <a:rPr lang="en-US" altLang="zh-CN" dirty="0"/>
+              <a:t>se3 = [ρ,</a:t>
+            </a:r>
+            <a:r>
+              <a:rPr lang="zh-CN" altLang="en-US" dirty="0"/>
+              <a:t> </a:t>
+            </a:r>
+            <a:r>
+              <a:rPr lang="en-US" altLang="zh-CN" dirty="0"/>
+              <a:t>φ]</a:t>
+            </a:r>
+          </a:p>
+          <a:p>
+            <a:r>
+              <a:rPr lang="en-US" altLang="zh-CN" dirty="0"/>
+              <a:t>SE3</a:t>
+            </a:r>
+            <a:r>
+              <a:rPr lang="zh-CN" altLang="en-US" dirty="0"/>
+              <a:t>旋转部分为</a:t>
+            </a:r>
+            <a:r>
+              <a:rPr lang="en-US" altLang="zh-CN" dirty="0"/>
+              <a:t>C</a:t>
+            </a:r>
+            <a:r>
+              <a:rPr lang="zh-CN" altLang="en-US" dirty="0"/>
+              <a:t>，平移部分为</a:t>
+            </a:r>
+            <a:r>
+              <a:rPr lang="en-US" altLang="zh-CN" dirty="0"/>
+              <a:t>r</a:t>
+            </a:r>
+          </a:p>
+          <a:p>
+            <a:r>
+              <a:rPr lang="zh-CN" altLang="en-US" dirty="0"/>
+              <a:t>旋转部分</a:t>
+            </a:r>
+            <a:r>
+              <a:rPr lang="en-US" altLang="zh-CN" dirty="0"/>
+              <a:t>φ</a:t>
+            </a:r>
+            <a:r>
+              <a:rPr lang="zh-CN" altLang="en-US" dirty="0"/>
+              <a:t>和</a:t>
+            </a:r>
+            <a:r>
+              <a:rPr lang="en-US" altLang="zh-CN" dirty="0"/>
+              <a:t>C</a:t>
+            </a:r>
+            <a:r>
+              <a:rPr lang="zh-CN" altLang="en-US" dirty="0"/>
+              <a:t>互转</a:t>
+            </a:r>
+            <a:endParaRPr lang="en-US" altLang="zh-CN" dirty="0"/>
+          </a:p>
+          <a:p>
+            <a:r>
+              <a:rPr lang="zh-CN" altLang="en-US" dirty="0"/>
+              <a:t>平移部分</a:t>
+            </a:r>
+            <a:r>
+              <a:rPr lang="en-US" altLang="zh-CN" dirty="0"/>
+              <a:t>r = </a:t>
+            </a:r>
+            <a:r>
+              <a:rPr lang="en-US" altLang="zh-CN" dirty="0" err="1"/>
+              <a:t>Jρ</a:t>
+            </a:r>
+            <a:r>
+              <a:rPr lang="zh-CN" altLang="en-US" dirty="0"/>
+              <a:t>；</a:t>
+            </a:r>
+            <a:r>
+              <a:rPr lang="en-US" altLang="zh-CN" dirty="0"/>
+              <a:t>ρ = J</a:t>
+            </a:r>
+            <a:r>
+              <a:rPr lang="en-US" altLang="zh-CN" baseline="30000" dirty="0"/>
+              <a:t>-1</a:t>
+            </a:r>
+            <a:r>
+              <a:rPr lang="en-US" altLang="zh-CN" dirty="0"/>
+              <a:t>r</a:t>
+            </a:r>
+            <a:endParaRPr lang="zh-CN" altLang="en-US" dirty="0"/>
+          </a:p>
+        </p:txBody>
+      </p:sp>
+    </p:spTree>
+    <p:extLst>
+      <p:ext uri="{BB962C8B-B14F-4D97-AF65-F5344CB8AC3E}">
+        <p14:creationId xmlns:p14="http://schemas.microsoft.com/office/powerpoint/2010/main" val="3284605438"/>
+      </p:ext>
+    </p:extLst>
+  </p:cSld>
+  <p:clrMapOvr>
+    <a:masterClrMapping/>
+  </p:clrMapOvr>
+</p:sld>
+</file>
+
+<file path=ppt/slides/slide23.xml><?xml version="1.0" encoding="utf-8"?>
+<p:sld xmlns:a="http://schemas.openxmlformats.org/drawingml/2006/main" xmlns:r="http://schemas.openxmlformats.org/officeDocument/2006/relationships" xmlns:p="http://schemas.openxmlformats.org/presentationml/2006/main">
+  <p:cSld>
+    <p:spTree>
+      <p:nvGrpSpPr>
+        <p:cNvPr id="1" name=""/>
+        <p:cNvGrpSpPr/>
+        <p:nvPr/>
+      </p:nvGrpSpPr>
+      <p:grpSpPr>
+        <a:xfrm>
+          <a:off x="0" y="0"/>
+          <a:ext cx="0" cy="0"/>
+          <a:chOff x="0" y="0"/>
+          <a:chExt cx="0" cy="0"/>
+        </a:xfrm>
+      </p:grpSpPr>
+      <p:sp>
+        <p:nvSpPr>
+          <p:cNvPr id="2" name="标题 1">
+            <a:extLst>
+              <a:ext uri="{FF2B5EF4-FFF2-40B4-BE49-F238E27FC236}">
+                <a16:creationId xmlns:a16="http://schemas.microsoft.com/office/drawing/2014/main" id="{5EBF07DD-D43B-408C-89BC-BEFAFAA21434}"/>
+              </a:ext>
+            </a:extLst>
+          </p:cNvPr>
+          <p:cNvSpPr>
+            <a:spLocks noGrp="1"/>
+          </p:cNvSpPr>
+          <p:nvPr>
+            <p:ph type="title"/>
+          </p:nvPr>
+        </p:nvSpPr>
+        <p:spPr/>
+        <p:txBody>
+          <a:bodyPr/>
+          <a:lstStyle/>
+          <a:p>
+            <a:r>
+              <a:rPr lang="zh-CN" altLang="en-US" dirty="0"/>
+              <a:t>请写出罗德里格斯、</a:t>
+            </a:r>
+            <a:r>
+              <a:rPr lang="en-US" altLang="zh-CN" dirty="0"/>
+              <a:t>J</a:t>
+            </a:r>
+            <a:r>
+              <a:rPr lang="zh-CN" altLang="en-US" dirty="0"/>
+              <a:t>、</a:t>
+            </a:r>
+            <a:r>
+              <a:rPr lang="en-US" altLang="zh-CN" dirty="0"/>
+              <a:t>J</a:t>
+            </a:r>
+            <a:r>
+              <a:rPr lang="zh-CN" altLang="en-US" dirty="0"/>
+              <a:t>逆</a:t>
+            </a:r>
+          </a:p>
+        </p:txBody>
+      </p:sp>
+      <p:sp>
+        <p:nvSpPr>
+          <p:cNvPr id="3" name="内容占位符 2">
+            <a:extLst>
+              <a:ext uri="{FF2B5EF4-FFF2-40B4-BE49-F238E27FC236}">
+                <a16:creationId xmlns:a16="http://schemas.microsoft.com/office/drawing/2014/main" id="{97038C3C-3732-4560-A64A-51BA2B1625F2}"/>
+              </a:ext>
+            </a:extLst>
+          </p:cNvPr>
+          <p:cNvSpPr>
+            <a:spLocks noGrp="1"/>
+          </p:cNvSpPr>
+          <p:nvPr>
+            <p:ph idx="1"/>
+          </p:nvPr>
+        </p:nvSpPr>
+        <p:spPr/>
+        <p:txBody>
+          <a:bodyPr/>
+          <a:lstStyle/>
+          <a:p>
+            <a:r>
+              <a:rPr lang="zh-CN" altLang="en-US" dirty="0"/>
+              <a:t>他们都是单位阵</a:t>
+            </a:r>
+            <a:r>
+              <a:rPr lang="en-US" altLang="zh-CN" dirty="0"/>
+              <a:t>I</a:t>
+            </a:r>
+            <a:r>
+              <a:rPr lang="zh-CN" altLang="en-US" dirty="0"/>
+              <a:t>、自展开阵</a:t>
+            </a:r>
+            <a:r>
+              <a:rPr lang="en-US" altLang="zh-CN" dirty="0" err="1"/>
+              <a:t>nn</a:t>
+            </a:r>
+            <a:r>
+              <a:rPr lang="en-US" altLang="zh-CN" baseline="30000" dirty="0" err="1"/>
+              <a:t>T</a:t>
+            </a:r>
+            <a:r>
+              <a:rPr lang="zh-CN" altLang="en-US" dirty="0"/>
+              <a:t>、</a:t>
+            </a:r>
+            <a:r>
+              <a:rPr lang="en-US" altLang="zh-CN" dirty="0"/>
+              <a:t>n^</a:t>
+            </a:r>
+            <a:r>
+              <a:rPr lang="zh-CN" altLang="en-US" dirty="0"/>
+              <a:t>的线性组合</a:t>
+            </a:r>
+            <a:endParaRPr lang="en-US" altLang="zh-CN" dirty="0"/>
+          </a:p>
+          <a:p>
+            <a:r>
+              <a:rPr lang="zh-CN" altLang="en-US" dirty="0"/>
+              <a:t>罗德里格斯：余弦、</a:t>
+            </a:r>
+            <a:r>
+              <a:rPr lang="en-US" altLang="zh-CN" dirty="0"/>
+              <a:t>1-</a:t>
+            </a:r>
+            <a:r>
+              <a:rPr lang="zh-CN" altLang="en-US" dirty="0"/>
+              <a:t>余弦、正弦</a:t>
+            </a:r>
+            <a:endParaRPr lang="en-US" altLang="zh-CN" dirty="0"/>
+          </a:p>
+          <a:p>
+            <a:r>
+              <a:rPr lang="en-US" altLang="zh-CN" dirty="0"/>
+              <a:t>J</a:t>
+            </a:r>
+            <a:r>
+              <a:rPr lang="zh-CN" altLang="en-US" dirty="0"/>
+              <a:t>：正弦</a:t>
+            </a:r>
+            <a:r>
+              <a:rPr lang="en-US" altLang="zh-CN" dirty="0"/>
+              <a:t>/</a:t>
+            </a:r>
+            <a:r>
+              <a:rPr lang="zh-CN" altLang="en-US" dirty="0"/>
+              <a:t>角度、</a:t>
+            </a:r>
+            <a:r>
+              <a:rPr lang="en-US" altLang="zh-CN" dirty="0"/>
+              <a:t>1-</a:t>
+            </a:r>
+            <a:r>
+              <a:rPr lang="zh-CN" altLang="en-US" dirty="0"/>
+              <a:t>正弦</a:t>
+            </a:r>
+            <a:r>
+              <a:rPr lang="en-US" altLang="zh-CN" dirty="0"/>
+              <a:t>/</a:t>
+            </a:r>
+            <a:r>
+              <a:rPr lang="zh-CN" altLang="en-US" dirty="0"/>
+              <a:t>角度、</a:t>
+            </a:r>
+            <a:r>
+              <a:rPr lang="en-US" altLang="zh-CN" dirty="0"/>
+              <a:t>(1-</a:t>
+            </a:r>
+            <a:r>
+              <a:rPr lang="zh-CN" altLang="en-US" dirty="0"/>
+              <a:t>余弦</a:t>
+            </a:r>
+            <a:r>
+              <a:rPr lang="en-US" altLang="zh-CN" dirty="0"/>
+              <a:t>)/</a:t>
+            </a:r>
+            <a:r>
+              <a:rPr lang="zh-CN" altLang="en-US" dirty="0"/>
+              <a:t>角度</a:t>
+            </a:r>
+            <a:endParaRPr lang="en-US" altLang="zh-CN" dirty="0"/>
+          </a:p>
+          <a:p>
+            <a:r>
+              <a:rPr lang="en-US" altLang="zh-CN" dirty="0"/>
+              <a:t>J</a:t>
+            </a:r>
+            <a:r>
+              <a:rPr lang="zh-CN" altLang="en-US" dirty="0"/>
+              <a:t>逆：半角*半角余切、</a:t>
+            </a:r>
+            <a:r>
+              <a:rPr lang="en-US" altLang="zh-CN" dirty="0"/>
+              <a:t>1-</a:t>
+            </a:r>
+            <a:r>
+              <a:rPr lang="zh-CN" altLang="en-US" dirty="0"/>
+              <a:t>半角</a:t>
+            </a:r>
+            <a:r>
+              <a:rPr lang="en-US" altLang="zh-CN" dirty="0"/>
+              <a:t>*</a:t>
+            </a:r>
+            <a:r>
+              <a:rPr lang="zh-CN" altLang="en-US" dirty="0"/>
+              <a:t>半角余切、负半角</a:t>
+            </a:r>
+          </a:p>
+        </p:txBody>
+      </p:sp>
+    </p:spTree>
+    <p:extLst>
+      <p:ext uri="{BB962C8B-B14F-4D97-AF65-F5344CB8AC3E}">
+        <p14:creationId xmlns:p14="http://schemas.microsoft.com/office/powerpoint/2010/main" val="3509275628"/>
+      </p:ext>
+    </p:extLst>
+  </p:cSld>
+  <p:clrMapOvr>
+    <a:masterClrMapping/>
+  </p:clrMapOvr>
+</p:sld>
+</file>
+
+<file path=ppt/slides/slide24.xml><?xml version="1.0" encoding="utf-8"?>
+<p:sld xmlns:a="http://schemas.openxmlformats.org/drawingml/2006/main" xmlns:r="http://schemas.openxmlformats.org/officeDocument/2006/relationships" xmlns:p="http://schemas.openxmlformats.org/presentationml/2006/main">
+  <p:cSld>
+    <p:spTree>
+      <p:nvGrpSpPr>
+        <p:cNvPr id="1" name=""/>
+        <p:cNvGrpSpPr/>
+        <p:nvPr/>
+      </p:nvGrpSpPr>
+      <p:grpSpPr>
+        <a:xfrm>
+          <a:off x="0" y="0"/>
+          <a:ext cx="0" cy="0"/>
+          <a:chOff x="0" y="0"/>
+          <a:chExt cx="0" cy="0"/>
+        </a:xfrm>
+      </p:grpSpPr>
+      <p:sp>
+        <p:nvSpPr>
+          <p:cNvPr id="2" name="标题 1">
+            <a:extLst>
+              <a:ext uri="{FF2B5EF4-FFF2-40B4-BE49-F238E27FC236}">
+                <a16:creationId xmlns:a16="http://schemas.microsoft.com/office/drawing/2014/main" id="{A330C4F5-11CE-4D1C-A397-38AE31F6A85C}"/>
+              </a:ext>
+            </a:extLst>
+          </p:cNvPr>
+          <p:cNvSpPr>
+            <a:spLocks noGrp="1"/>
+          </p:cNvSpPr>
+          <p:nvPr>
+            <p:ph type="title"/>
+          </p:nvPr>
+        </p:nvSpPr>
+        <p:spPr/>
+        <p:txBody>
+          <a:bodyPr/>
+          <a:lstStyle/>
+          <a:p>
+            <a:r>
+              <a:rPr lang="zh-CN" altLang="en-US" dirty="0"/>
+              <a:t>请写出</a:t>
+            </a:r>
+            <a:r>
+              <a:rPr lang="en-US" altLang="zh-CN" dirty="0"/>
+              <a:t>SE3</a:t>
+            </a:r>
+            <a:r>
+              <a:rPr lang="zh-CN" altLang="en-US" dirty="0"/>
+              <a:t>的伴随以及</a:t>
+            </a:r>
+            <a:r>
+              <a:rPr lang="en-US" altLang="zh-CN" dirty="0"/>
+              <a:t>se3</a:t>
+            </a:r>
+            <a:r>
+              <a:rPr lang="zh-CN" altLang="en-US" dirty="0"/>
+              <a:t>伴随</a:t>
+            </a:r>
+          </a:p>
+        </p:txBody>
+      </p:sp>
+      <p:sp>
+        <p:nvSpPr>
+          <p:cNvPr id="3" name="内容占位符 2">
+            <a:extLst>
+              <a:ext uri="{FF2B5EF4-FFF2-40B4-BE49-F238E27FC236}">
+                <a16:creationId xmlns:a16="http://schemas.microsoft.com/office/drawing/2014/main" id="{A87D3E98-2A6F-4FC4-8A07-69FD299E9EA8}"/>
+              </a:ext>
+            </a:extLst>
+          </p:cNvPr>
+          <p:cNvSpPr>
+            <a:spLocks noGrp="1"/>
+          </p:cNvSpPr>
+          <p:nvPr>
+            <p:ph idx="1"/>
+          </p:nvPr>
+        </p:nvSpPr>
+        <p:spPr/>
+        <p:txBody>
+          <a:bodyPr/>
+          <a:lstStyle/>
+          <a:p>
+            <a:r>
+              <a:rPr lang="en-US" altLang="zh-CN" dirty="0"/>
+              <a:t>SE3</a:t>
+            </a:r>
+            <a:r>
+              <a:rPr lang="zh-CN" altLang="en-US" dirty="0"/>
+              <a:t>的伴随是一个</a:t>
+            </a:r>
+            <a:r>
+              <a:rPr lang="en-US" altLang="zh-CN" dirty="0"/>
+              <a:t>6</a:t>
+            </a:r>
+            <a:r>
+              <a:rPr lang="zh-CN" altLang="en-US" dirty="0"/>
+              <a:t>*</a:t>
+            </a:r>
+            <a:r>
+              <a:rPr lang="en-US" altLang="zh-CN" dirty="0"/>
+              <a:t>6</a:t>
+            </a:r>
+            <a:r>
+              <a:rPr lang="zh-CN" altLang="en-US" dirty="0"/>
+              <a:t>的矩阵，也是一个李群：</a:t>
+            </a:r>
+            <a:endParaRPr lang="en-US" altLang="zh-CN" dirty="0"/>
+          </a:p>
+          <a:p>
+            <a:r>
+              <a:rPr lang="zh-CN" altLang="en-US" dirty="0"/>
+              <a:t>它的左上和右下都是</a:t>
+            </a:r>
+            <a:r>
+              <a:rPr lang="en-US" altLang="zh-CN" dirty="0"/>
+              <a:t>C</a:t>
+            </a:r>
+            <a:r>
+              <a:rPr lang="zh-CN" altLang="en-US" dirty="0"/>
+              <a:t>，右上是</a:t>
+            </a:r>
+            <a:r>
+              <a:rPr lang="en-US" altLang="zh-CN" dirty="0"/>
+              <a:t>r</a:t>
+            </a:r>
+            <a:r>
+              <a:rPr lang="zh-CN" altLang="en-US" dirty="0"/>
+              <a:t>的反对称乘以</a:t>
+            </a:r>
+            <a:r>
+              <a:rPr lang="en-US" altLang="zh-CN" dirty="0"/>
+              <a:t>C</a:t>
+            </a:r>
+          </a:p>
+          <a:p>
+            <a:endParaRPr lang="en-US" altLang="zh-CN" dirty="0"/>
+          </a:p>
+          <a:p>
+            <a:endParaRPr lang="en-US" altLang="zh-CN" dirty="0"/>
+          </a:p>
+          <a:p>
+            <a:r>
+              <a:rPr lang="en-US" altLang="zh-CN" dirty="0"/>
+              <a:t>se3</a:t>
+            </a:r>
+            <a:r>
+              <a:rPr lang="zh-CN" altLang="en-US" dirty="0"/>
+              <a:t>的伴随就是上弯弯</a:t>
+            </a:r>
+            <a:endParaRPr lang="en-US" altLang="zh-CN" dirty="0"/>
+          </a:p>
+          <a:p>
+            <a:r>
+              <a:rPr lang="zh-CN" altLang="en-US" dirty="0"/>
+              <a:t>它也是一个</a:t>
+            </a:r>
+            <a:r>
+              <a:rPr lang="en-US" altLang="zh-CN" dirty="0"/>
+              <a:t>6</a:t>
+            </a:r>
+            <a:r>
+              <a:rPr lang="zh-CN" altLang="en-US" dirty="0"/>
+              <a:t>*</a:t>
+            </a:r>
+            <a:r>
+              <a:rPr lang="en-US" altLang="zh-CN" dirty="0"/>
+              <a:t>6</a:t>
+            </a:r>
+            <a:r>
+              <a:rPr lang="zh-CN" altLang="en-US" dirty="0"/>
+              <a:t>矩阵，左上和右下都是</a:t>
+            </a:r>
+            <a:r>
+              <a:rPr lang="en-US" altLang="zh-CN" dirty="0"/>
+              <a:t>φ^</a:t>
+            </a:r>
+            <a:r>
+              <a:rPr lang="zh-CN" altLang="en-US" dirty="0"/>
+              <a:t>，右上是</a:t>
+            </a:r>
+            <a:r>
+              <a:rPr lang="en-US" altLang="zh-CN" dirty="0"/>
+              <a:t>ρ</a:t>
+            </a:r>
+            <a:r>
+              <a:rPr lang="zh-CN" altLang="en-US" dirty="0"/>
+              <a:t>的反对称</a:t>
+            </a:r>
+            <a:endParaRPr lang="en-US" altLang="zh-CN" dirty="0"/>
+          </a:p>
+          <a:p>
+            <a:endParaRPr lang="zh-CN" altLang="en-US" dirty="0"/>
+          </a:p>
+        </p:txBody>
+      </p:sp>
+      <p:pic>
+        <p:nvPicPr>
+          <p:cNvPr id="5" name="图片 4">
+            <a:extLst>
+              <a:ext uri="{FF2B5EF4-FFF2-40B4-BE49-F238E27FC236}">
+                <a16:creationId xmlns:a16="http://schemas.microsoft.com/office/drawing/2014/main" id="{3006CE3B-8330-49BB-BC8C-825710D5C7FE}"/>
+              </a:ext>
+            </a:extLst>
+          </p:cNvPr>
+          <p:cNvPicPr>
+            <a:picLocks noChangeAspect="1"/>
+          </p:cNvPicPr>
+          <p:nvPr/>
+        </p:nvPicPr>
+        <p:blipFill>
+          <a:blip r:embed="rId2"/>
+          <a:stretch>
+            <a:fillRect/>
+          </a:stretch>
+        </p:blipFill>
+        <p:spPr>
+          <a:xfrm>
+            <a:off x="1884251" y="2992266"/>
+            <a:ext cx="3345470" cy="624894"/>
+          </a:xfrm>
+          <a:prstGeom prst="rect">
+            <a:avLst/>
+          </a:prstGeom>
+        </p:spPr>
+      </p:pic>
+      <p:pic>
+        <p:nvPicPr>
+          <p:cNvPr id="7" name="图片 6">
+            <a:extLst>
+              <a:ext uri="{FF2B5EF4-FFF2-40B4-BE49-F238E27FC236}">
+                <a16:creationId xmlns:a16="http://schemas.microsoft.com/office/drawing/2014/main" id="{3D41E56D-F42E-4FF6-B59D-313917A4B20F}"/>
+              </a:ext>
+            </a:extLst>
+          </p:cNvPr>
+          <p:cNvPicPr>
+            <a:picLocks noChangeAspect="1"/>
+          </p:cNvPicPr>
+          <p:nvPr/>
+        </p:nvPicPr>
+        <p:blipFill>
+          <a:blip r:embed="rId3"/>
+          <a:stretch>
+            <a:fillRect/>
+          </a:stretch>
+        </p:blipFill>
+        <p:spPr>
+          <a:xfrm>
+            <a:off x="1936158" y="5174876"/>
+            <a:ext cx="3589331" cy="662997"/>
+          </a:xfrm>
+          <a:prstGeom prst="rect">
+            <a:avLst/>
+          </a:prstGeom>
+        </p:spPr>
+      </p:pic>
+    </p:spTree>
+    <p:extLst>
+      <p:ext uri="{BB962C8B-B14F-4D97-AF65-F5344CB8AC3E}">
+        <p14:creationId xmlns:p14="http://schemas.microsoft.com/office/powerpoint/2010/main" val="3325660089"/>
+      </p:ext>
+    </p:extLst>
+  </p:cSld>
+  <p:clrMapOvr>
+    <a:masterClrMapping/>
+  </p:clrMapOvr>
+</p:sld>
+</file>
+
+<file path=ppt/slides/slide25.xml><?xml version="1.0" encoding="utf-8"?>
+<p:sld xmlns:a="http://schemas.openxmlformats.org/drawingml/2006/main" xmlns:r="http://schemas.openxmlformats.org/officeDocument/2006/relationships" xmlns:p="http://schemas.openxmlformats.org/presentationml/2006/main">
+  <p:cSld>
+    <p:spTree>
+      <p:nvGrpSpPr>
+        <p:cNvPr id="1" name=""/>
+        <p:cNvGrpSpPr/>
+        <p:nvPr/>
+      </p:nvGrpSpPr>
+      <p:grpSpPr>
+        <a:xfrm>
+          <a:off x="0" y="0"/>
+          <a:ext cx="0" cy="0"/>
+          <a:chOff x="0" y="0"/>
+          <a:chExt cx="0" cy="0"/>
+        </a:xfrm>
+      </p:grpSpPr>
+      <p:sp>
+        <p:nvSpPr>
+          <p:cNvPr id="2" name="标题 1">
+            <a:extLst>
+              <a:ext uri="{FF2B5EF4-FFF2-40B4-BE49-F238E27FC236}">
+                <a16:creationId xmlns:a16="http://schemas.microsoft.com/office/drawing/2014/main" id="{97F5B800-C040-4C87-B23F-1A0D92E6F43A}"/>
+              </a:ext>
+            </a:extLst>
+          </p:cNvPr>
+          <p:cNvSpPr>
+            <a:spLocks noGrp="1"/>
+          </p:cNvSpPr>
+          <p:nvPr>
+            <p:ph type="title"/>
+          </p:nvPr>
+        </p:nvSpPr>
+        <p:spPr/>
+        <p:txBody>
+          <a:bodyPr/>
+          <a:lstStyle/>
+          <a:p>
+            <a:r>
+              <a:rPr lang="zh-CN" altLang="en-US" dirty="0"/>
+              <a:t>两个重要的换序公式怎么写？</a:t>
+            </a:r>
+          </a:p>
+        </p:txBody>
+      </p:sp>
+      <p:pic>
+        <p:nvPicPr>
+          <p:cNvPr id="5" name="内容占位符 4">
+            <a:extLst>
+              <a:ext uri="{FF2B5EF4-FFF2-40B4-BE49-F238E27FC236}">
+                <a16:creationId xmlns:a16="http://schemas.microsoft.com/office/drawing/2014/main" id="{D9E0958A-2C10-40D3-9490-2580E54C0B29}"/>
+              </a:ext>
+            </a:extLst>
+          </p:cNvPr>
+          <p:cNvPicPr>
+            <a:picLocks noGrp="1" noChangeAspect="1"/>
+          </p:cNvPicPr>
+          <p:nvPr>
+            <p:ph idx="1"/>
+          </p:nvPr>
+        </p:nvPicPr>
+        <p:blipFill>
+          <a:blip r:embed="rId2"/>
+          <a:stretch>
+            <a:fillRect/>
+          </a:stretch>
+        </p:blipFill>
+        <p:spPr>
+          <a:xfrm>
+            <a:off x="963684" y="1928751"/>
+            <a:ext cx="2808424" cy="663528"/>
+          </a:xfrm>
+        </p:spPr>
+      </p:pic>
+      <p:pic>
+        <p:nvPicPr>
+          <p:cNvPr id="7" name="图片 6">
+            <a:extLst>
+              <a:ext uri="{FF2B5EF4-FFF2-40B4-BE49-F238E27FC236}">
+                <a16:creationId xmlns:a16="http://schemas.microsoft.com/office/drawing/2014/main" id="{B806DC56-AAA7-4429-9CCD-CE5A9D7410DB}"/>
+              </a:ext>
+            </a:extLst>
+          </p:cNvPr>
+          <p:cNvPicPr>
+            <a:picLocks noChangeAspect="1"/>
+          </p:cNvPicPr>
+          <p:nvPr/>
+        </p:nvPicPr>
+        <p:blipFill>
+          <a:blip r:embed="rId3"/>
+          <a:stretch>
+            <a:fillRect/>
+          </a:stretch>
+        </p:blipFill>
+        <p:spPr>
+          <a:xfrm>
+            <a:off x="963684" y="2998432"/>
+            <a:ext cx="5509737" cy="861135"/>
+          </a:xfrm>
+          <a:prstGeom prst="rect">
+            <a:avLst/>
+          </a:prstGeom>
+        </p:spPr>
+      </p:pic>
+    </p:spTree>
+    <p:extLst>
+      <p:ext uri="{BB962C8B-B14F-4D97-AF65-F5344CB8AC3E}">
+        <p14:creationId xmlns:p14="http://schemas.microsoft.com/office/powerpoint/2010/main" val="3872267504"/>
+      </p:ext>
+    </p:extLst>
+  </p:cSld>
+  <p:clrMapOvr>
+    <a:masterClrMapping/>
+  </p:clrMapOvr>
+</p:sld>
+</file>
+
+<file path=ppt/slides/slide26.xml><?xml version="1.0" encoding="utf-8"?>
+<p:sld xmlns:a="http://schemas.openxmlformats.org/drawingml/2006/main" xmlns:r="http://schemas.openxmlformats.org/officeDocument/2006/relationships" xmlns:p="http://schemas.openxmlformats.org/presentationml/2006/main">
+  <p:cSld>
+    <p:spTree>
+      <p:nvGrpSpPr>
+        <p:cNvPr id="1" name=""/>
+        <p:cNvGrpSpPr/>
+        <p:nvPr/>
+      </p:nvGrpSpPr>
+      <p:grpSpPr>
+        <a:xfrm>
+          <a:off x="0" y="0"/>
+          <a:ext cx="0" cy="0"/>
+          <a:chOff x="0" y="0"/>
+          <a:chExt cx="0" cy="0"/>
+        </a:xfrm>
+      </p:grpSpPr>
+      <p:sp>
+        <p:nvSpPr>
+          <p:cNvPr id="2" name="标题 1">
+            <a:extLst>
+              <a:ext uri="{FF2B5EF4-FFF2-40B4-BE49-F238E27FC236}">
+                <a16:creationId xmlns:a16="http://schemas.microsoft.com/office/drawing/2014/main" id="{EE5E4549-C0EF-4EF2-A955-2C09EE2E28AD}"/>
+              </a:ext>
+            </a:extLst>
+          </p:cNvPr>
+          <p:cNvSpPr>
+            <a:spLocks noGrp="1"/>
+          </p:cNvSpPr>
+          <p:nvPr>
+            <p:ph type="title"/>
+          </p:nvPr>
+        </p:nvSpPr>
+        <p:spPr/>
+        <p:txBody>
+          <a:bodyPr/>
+          <a:lstStyle/>
+          <a:p>
+            <a:r>
+              <a:rPr lang="en-US" altLang="zh-CN" dirty="0"/>
+              <a:t>BCH</a:t>
+            </a:r>
+            <a:r>
+              <a:rPr lang="zh-CN" altLang="en-US" dirty="0"/>
+              <a:t>公式是用来干什么的，</a:t>
+            </a:r>
+            <a:r>
+              <a:rPr lang="en-US" altLang="zh-CN" dirty="0"/>
+              <a:t>SO3</a:t>
+            </a:r>
+            <a:r>
+              <a:rPr lang="zh-CN" altLang="en-US" dirty="0"/>
+              <a:t>上如何体现？</a:t>
+            </a:r>
+          </a:p>
+        </p:txBody>
+      </p:sp>
+      <p:sp>
+        <p:nvSpPr>
+          <p:cNvPr id="3" name="内容占位符 2">
+            <a:extLst>
+              <a:ext uri="{FF2B5EF4-FFF2-40B4-BE49-F238E27FC236}">
+                <a16:creationId xmlns:a16="http://schemas.microsoft.com/office/drawing/2014/main" id="{08341DC5-2FBC-43EF-A905-7A57F8807BD0}"/>
+              </a:ext>
+            </a:extLst>
+          </p:cNvPr>
+          <p:cNvSpPr>
+            <a:spLocks noGrp="1"/>
+          </p:cNvSpPr>
+          <p:nvPr>
+            <p:ph idx="1"/>
+          </p:nvPr>
+        </p:nvSpPr>
+        <p:spPr/>
+        <p:txBody>
+          <a:bodyPr/>
+          <a:lstStyle/>
+          <a:p>
+            <a:r>
+              <a:rPr lang="zh-CN" altLang="en-US" dirty="0"/>
+              <a:t>它用来处理的是：两个指数函数乘积的对数，如何展开的问题</a:t>
+            </a:r>
+            <a:endParaRPr lang="en-US" altLang="zh-CN" dirty="0"/>
+          </a:p>
+          <a:p>
+            <a:r>
+              <a:rPr lang="en-US" altLang="zh-CN" dirty="0"/>
+              <a:t>SO3</a:t>
+            </a:r>
+            <a:r>
+              <a:rPr lang="zh-CN" altLang="en-US" dirty="0"/>
+              <a:t>上：</a:t>
+            </a:r>
+            <a:endParaRPr lang="en-US" altLang="zh-CN" dirty="0"/>
+          </a:p>
+          <a:p>
+            <a:endParaRPr lang="en-US" altLang="zh-CN" dirty="0"/>
+          </a:p>
+          <a:p>
+            <a:endParaRPr lang="zh-CN" altLang="en-US" dirty="0"/>
+          </a:p>
+        </p:txBody>
+      </p:sp>
+      <p:pic>
+        <p:nvPicPr>
+          <p:cNvPr id="4" name="图片 3">
+            <a:extLst>
+              <a:ext uri="{FF2B5EF4-FFF2-40B4-BE49-F238E27FC236}">
+                <a16:creationId xmlns:a16="http://schemas.microsoft.com/office/drawing/2014/main" id="{29566FB7-8C33-4F81-909D-9025599B839B}"/>
+              </a:ext>
+            </a:extLst>
+          </p:cNvPr>
+          <p:cNvPicPr/>
+          <p:nvPr/>
+        </p:nvPicPr>
+        <p:blipFill>
+          <a:blip r:embed="rId2"/>
+          <a:stretch>
+            <a:fillRect/>
+          </a:stretch>
+        </p:blipFill>
+        <p:spPr>
+          <a:xfrm>
+            <a:off x="2171582" y="3429000"/>
+            <a:ext cx="6102405" cy="1036468"/>
+          </a:xfrm>
+          <a:prstGeom prst="rect">
+            <a:avLst/>
+          </a:prstGeom>
+        </p:spPr>
+      </p:pic>
+    </p:spTree>
+    <p:extLst>
+      <p:ext uri="{BB962C8B-B14F-4D97-AF65-F5344CB8AC3E}">
+        <p14:creationId xmlns:p14="http://schemas.microsoft.com/office/powerpoint/2010/main" val="828328602"/>
+      </p:ext>
+    </p:extLst>
+  </p:cSld>
+  <p:clrMapOvr>
+    <a:masterClrMapping/>
+  </p:clrMapOvr>
+</p:sld>
+</file>
+
+<file path=ppt/slides/slide27.xml><?xml version="1.0" encoding="utf-8"?>
+<p:sld xmlns:a="http://schemas.openxmlformats.org/drawingml/2006/main" xmlns:r="http://schemas.openxmlformats.org/officeDocument/2006/relationships" xmlns:p="http://schemas.openxmlformats.org/presentationml/2006/main">
+  <p:cSld>
+    <p:spTree>
+      <p:nvGrpSpPr>
+        <p:cNvPr id="1" name=""/>
+        <p:cNvGrpSpPr/>
+        <p:nvPr/>
+      </p:nvGrpSpPr>
+      <p:grpSpPr>
+        <a:xfrm>
+          <a:off x="0" y="0"/>
+          <a:ext cx="0" cy="0"/>
+          <a:chOff x="0" y="0"/>
+          <a:chExt cx="0" cy="0"/>
+        </a:xfrm>
+      </p:grpSpPr>
+      <p:sp>
+        <p:nvSpPr>
+          <p:cNvPr id="2" name="标题 1">
+            <a:extLst>
+              <a:ext uri="{FF2B5EF4-FFF2-40B4-BE49-F238E27FC236}">
+                <a16:creationId xmlns:a16="http://schemas.microsoft.com/office/drawing/2014/main" id="{354CB430-9AA1-467E-966E-A7DD6013E244}"/>
+              </a:ext>
+            </a:extLst>
+          </p:cNvPr>
+          <p:cNvSpPr>
+            <a:spLocks noGrp="1"/>
+          </p:cNvSpPr>
+          <p:nvPr>
+            <p:ph type="title"/>
+          </p:nvPr>
+        </p:nvSpPr>
+        <p:spPr/>
+        <p:txBody>
+          <a:bodyPr/>
+          <a:lstStyle/>
+          <a:p>
+            <a:r>
+              <a:rPr lang="en-US" altLang="zh-CN" dirty="0"/>
+              <a:t>SLAM</a:t>
+            </a:r>
+            <a:r>
+              <a:rPr lang="zh-CN" altLang="en-US" dirty="0"/>
+              <a:t>里，用于求导的</a:t>
+            </a:r>
+            <a:r>
+              <a:rPr lang="en-US" altLang="zh-CN" dirty="0"/>
+              <a:t>BCH</a:t>
+            </a:r>
+            <a:r>
+              <a:rPr lang="zh-CN" altLang="en-US" dirty="0"/>
+              <a:t>公式是啥样？</a:t>
+            </a:r>
+          </a:p>
+        </p:txBody>
+      </p:sp>
+      <p:sp>
+        <p:nvSpPr>
+          <p:cNvPr id="3" name="内容占位符 2">
+            <a:extLst>
+              <a:ext uri="{FF2B5EF4-FFF2-40B4-BE49-F238E27FC236}">
+                <a16:creationId xmlns:a16="http://schemas.microsoft.com/office/drawing/2014/main" id="{94BC068F-E925-484A-8405-7A108734D600}"/>
+              </a:ext>
+            </a:extLst>
+          </p:cNvPr>
+          <p:cNvSpPr>
+            <a:spLocks noGrp="1"/>
+          </p:cNvSpPr>
+          <p:nvPr>
+            <p:ph idx="1"/>
+          </p:nvPr>
+        </p:nvSpPr>
+        <p:spPr/>
+        <p:txBody>
+          <a:bodyPr/>
+          <a:lstStyle/>
+          <a:p>
+            <a:r>
+              <a:rPr lang="zh-CN" altLang="en-US" dirty="0"/>
+              <a:t>思路，两个量里面其中一个为小量</a:t>
+            </a:r>
+            <a:endParaRPr lang="en-US" altLang="zh-CN" dirty="0"/>
+          </a:p>
+          <a:p>
+            <a:r>
+              <a:rPr lang="zh-CN" altLang="en-US" dirty="0"/>
+              <a:t>左乘一个小量叫做左雅可比；右乘一个小量叫做右雅可比</a:t>
+            </a:r>
+          </a:p>
+        </p:txBody>
+      </p:sp>
+      <p:pic>
+        <p:nvPicPr>
+          <p:cNvPr id="4" name="图片 3">
+            <a:extLst>
+              <a:ext uri="{FF2B5EF4-FFF2-40B4-BE49-F238E27FC236}">
+                <a16:creationId xmlns:a16="http://schemas.microsoft.com/office/drawing/2014/main" id="{6F7B40A8-4D89-4468-A39C-5376B2D779E6}"/>
+              </a:ext>
+            </a:extLst>
+          </p:cNvPr>
+          <p:cNvPicPr/>
+          <p:nvPr/>
+        </p:nvPicPr>
+        <p:blipFill>
+          <a:blip r:embed="rId2"/>
+          <a:stretch>
+            <a:fillRect/>
+          </a:stretch>
+        </p:blipFill>
+        <p:spPr>
+          <a:xfrm>
+            <a:off x="838199" y="3131502"/>
+            <a:ext cx="5784543" cy="739162"/>
+          </a:xfrm>
+          <a:prstGeom prst="rect">
+            <a:avLst/>
+          </a:prstGeom>
+        </p:spPr>
+      </p:pic>
+    </p:spTree>
+    <p:extLst>
+      <p:ext uri="{BB962C8B-B14F-4D97-AF65-F5344CB8AC3E}">
+        <p14:creationId xmlns:p14="http://schemas.microsoft.com/office/powerpoint/2010/main" val="1563326925"/>
+      </p:ext>
+    </p:extLst>
+  </p:cSld>
+  <p:clrMapOvr>
+    <a:masterClrMapping/>
+  </p:clrMapOvr>
+</p:sld>
+</file>
+
+<file path=ppt/slides/slide28.xml><?xml version="1.0" encoding="utf-8"?>
+<p:sld xmlns:a="http://schemas.openxmlformats.org/drawingml/2006/main" xmlns:r="http://schemas.openxmlformats.org/officeDocument/2006/relationships" xmlns:p="http://schemas.openxmlformats.org/presentationml/2006/main">
+  <p:cSld>
+    <p:spTree>
+      <p:nvGrpSpPr>
+        <p:cNvPr id="1" name=""/>
+        <p:cNvGrpSpPr/>
+        <p:nvPr/>
+      </p:nvGrpSpPr>
+      <p:grpSpPr>
+        <a:xfrm>
+          <a:off x="0" y="0"/>
+          <a:ext cx="0" cy="0"/>
+          <a:chOff x="0" y="0"/>
+          <a:chExt cx="0" cy="0"/>
+        </a:xfrm>
+      </p:grpSpPr>
+      <p:sp>
+        <p:nvSpPr>
+          <p:cNvPr id="2" name="标题 1">
+            <a:extLst>
+              <a:ext uri="{FF2B5EF4-FFF2-40B4-BE49-F238E27FC236}">
+                <a16:creationId xmlns:a16="http://schemas.microsoft.com/office/drawing/2014/main" id="{0F621F46-7FAF-487B-A0F0-F0AAB0E0B6EB}"/>
+              </a:ext>
+            </a:extLst>
+          </p:cNvPr>
+          <p:cNvSpPr>
+            <a:spLocks noGrp="1"/>
+          </p:cNvSpPr>
+          <p:nvPr>
+            <p:ph type="title"/>
+          </p:nvPr>
+        </p:nvSpPr>
+        <p:spPr/>
+        <p:txBody>
+          <a:bodyPr/>
+          <a:lstStyle/>
+          <a:p>
+            <a:r>
+              <a:rPr lang="zh-CN" altLang="en-US" dirty="0"/>
+              <a:t>请写出</a:t>
+            </a:r>
+            <a:r>
+              <a:rPr lang="en-US" altLang="zh-CN" dirty="0"/>
+              <a:t>SO3</a:t>
+            </a:r>
+            <a:r>
+              <a:rPr lang="zh-CN" altLang="en-US" dirty="0"/>
+              <a:t>上的距离与插值公式</a:t>
+            </a:r>
+          </a:p>
+        </p:txBody>
+      </p:sp>
+      <p:pic>
+        <p:nvPicPr>
+          <p:cNvPr id="4" name="内容占位符 3">
+            <a:extLst>
+              <a:ext uri="{FF2B5EF4-FFF2-40B4-BE49-F238E27FC236}">
+                <a16:creationId xmlns:a16="http://schemas.microsoft.com/office/drawing/2014/main" id="{BAA60220-CC40-416C-BC15-B7B253AD3224}"/>
+              </a:ext>
+            </a:extLst>
+          </p:cNvPr>
+          <p:cNvPicPr>
+            <a:picLocks noGrp="1"/>
+          </p:cNvPicPr>
+          <p:nvPr>
+            <p:ph idx="1"/>
+          </p:nvPr>
+        </p:nvPicPr>
+        <p:blipFill>
+          <a:blip r:embed="rId2"/>
+          <a:stretch>
+            <a:fillRect/>
+          </a:stretch>
+        </p:blipFill>
+        <p:spPr>
+          <a:xfrm>
+            <a:off x="2454260" y="2141423"/>
+            <a:ext cx="2276475" cy="914400"/>
+          </a:xfrm>
+          <a:prstGeom prst="rect">
+            <a:avLst/>
+          </a:prstGeom>
+        </p:spPr>
+      </p:pic>
+      <p:pic>
+        <p:nvPicPr>
+          <p:cNvPr id="5" name="图片 4">
+            <a:extLst>
+              <a:ext uri="{FF2B5EF4-FFF2-40B4-BE49-F238E27FC236}">
+                <a16:creationId xmlns:a16="http://schemas.microsoft.com/office/drawing/2014/main" id="{921CF297-2110-40F4-91AE-821D6C02B777}"/>
+              </a:ext>
+            </a:extLst>
+          </p:cNvPr>
+          <p:cNvPicPr/>
+          <p:nvPr/>
+        </p:nvPicPr>
+        <p:blipFill>
+          <a:blip r:embed="rId3"/>
+          <a:stretch>
+            <a:fillRect/>
+          </a:stretch>
+        </p:blipFill>
+        <p:spPr>
+          <a:xfrm>
+            <a:off x="2451720" y="4489031"/>
+            <a:ext cx="3644280" cy="642262"/>
+          </a:xfrm>
+          <a:prstGeom prst="rect">
+            <a:avLst/>
+          </a:prstGeom>
+        </p:spPr>
+      </p:pic>
+    </p:spTree>
+    <p:extLst>
+      <p:ext uri="{BB962C8B-B14F-4D97-AF65-F5344CB8AC3E}">
+        <p14:creationId xmlns:p14="http://schemas.microsoft.com/office/powerpoint/2010/main" val="249127820"/>
+      </p:ext>
+    </p:extLst>
+  </p:cSld>
+  <p:clrMapOvr>
+    <a:masterClrMapping/>
+  </p:clrMapOvr>
+</p:sld>
+</file>
+
+<file path=ppt/slides/slide29.xml><?xml version="1.0" encoding="utf-8"?>
+<p:sld xmlns:a="http://schemas.openxmlformats.org/drawingml/2006/main" xmlns:r="http://schemas.openxmlformats.org/officeDocument/2006/relationships" xmlns:p="http://schemas.openxmlformats.org/presentationml/2006/main">
+  <p:cSld>
+    <p:spTree>
+      <p:nvGrpSpPr>
+        <p:cNvPr id="1" name=""/>
+        <p:cNvGrpSpPr/>
+        <p:nvPr/>
+      </p:nvGrpSpPr>
+      <p:grpSpPr>
+        <a:xfrm>
+          <a:off x="0" y="0"/>
+          <a:ext cx="0" cy="0"/>
+          <a:chOff x="0" y="0"/>
+          <a:chExt cx="0" cy="0"/>
+        </a:xfrm>
+      </p:grpSpPr>
+      <p:sp>
+        <p:nvSpPr>
+          <p:cNvPr id="2" name="标题 1">
+            <a:extLst>
+              <a:ext uri="{FF2B5EF4-FFF2-40B4-BE49-F238E27FC236}">
+                <a16:creationId xmlns:a16="http://schemas.microsoft.com/office/drawing/2014/main" id="{184A2139-33CA-4216-BF96-331820154BEB}"/>
+              </a:ext>
+            </a:extLst>
+          </p:cNvPr>
+          <p:cNvSpPr>
+            <a:spLocks noGrp="1"/>
+          </p:cNvSpPr>
+          <p:nvPr>
+            <p:ph type="title"/>
+          </p:nvPr>
+        </p:nvSpPr>
+        <p:spPr/>
+        <p:txBody>
+          <a:bodyPr/>
+          <a:lstStyle/>
+          <a:p>
+            <a:r>
+              <a:rPr lang="zh-CN" altLang="en-US" dirty="0"/>
+              <a:t>请默写求导模型和扰动模型的推导</a:t>
+            </a:r>
+          </a:p>
+        </p:txBody>
+      </p:sp>
+      <p:sp>
+        <p:nvSpPr>
+          <p:cNvPr id="3" name="内容占位符 2">
+            <a:extLst>
+              <a:ext uri="{FF2B5EF4-FFF2-40B4-BE49-F238E27FC236}">
+                <a16:creationId xmlns:a16="http://schemas.microsoft.com/office/drawing/2014/main" id="{0F6DC24D-5EC1-4020-9D18-C46F649DDB55}"/>
+              </a:ext>
+            </a:extLst>
+          </p:cNvPr>
+          <p:cNvSpPr>
+            <a:spLocks noGrp="1"/>
+          </p:cNvSpPr>
+          <p:nvPr>
+            <p:ph idx="1"/>
+          </p:nvPr>
+        </p:nvSpPr>
+        <p:spPr/>
+        <p:txBody>
+          <a:bodyPr/>
+          <a:lstStyle/>
+          <a:p>
+            <a:endParaRPr lang="zh-CN" altLang="en-US" dirty="0"/>
+          </a:p>
+        </p:txBody>
+      </p:sp>
+    </p:spTree>
+    <p:extLst>
+      <p:ext uri="{BB962C8B-B14F-4D97-AF65-F5344CB8AC3E}">
+        <p14:creationId xmlns:p14="http://schemas.microsoft.com/office/powerpoint/2010/main" val="1072251970"/>
+      </p:ext>
+    </p:extLst>
+  </p:cSld>
+  <p:clrMapOvr>
+    <a:masterClrMapping/>
+  </p:clrMapOvr>
+</p:sld>
+</file>
+
 <file path=ppt/slides/slide3.xml><?xml version="1.0" encoding="utf-8"?>
 <p:sld xmlns:a="http://schemas.openxmlformats.org/drawingml/2006/main" xmlns:r="http://schemas.openxmlformats.org/officeDocument/2006/relationships" xmlns:p="http://schemas.openxmlformats.org/presentationml/2006/main">
   <p:cSld>
@@ -3953,8 +7299,116 @@
         </p:nvSpPr>
         <p:spPr/>
         <p:txBody>
-          <a:bodyPr/>
-          <a:lstStyle/>
+          <a:bodyPr>
+            <a:normAutofit lnSpcReduction="10000"/>
+          </a:bodyPr>
+          <a:lstStyle/>
+          <a:p>
+            <a:r>
+              <a:rPr lang="zh-CN" altLang="en-US" dirty="0"/>
+              <a:t>简单描述一下坐标系是怎么定义的</a:t>
+            </a:r>
+            <a:endParaRPr lang="en-US" altLang="zh-CN" dirty="0"/>
+          </a:p>
+          <a:p>
+            <a:r>
+              <a:rPr lang="zh-CN" altLang="en-US" dirty="0"/>
+              <a:t>怎么由定义的坐标系推导出旋转矩阵？</a:t>
+            </a:r>
+            <a:endParaRPr lang="en-US" altLang="zh-CN" dirty="0"/>
+          </a:p>
+          <a:p>
+            <a:r>
+              <a:rPr lang="zh-CN" altLang="en-US" dirty="0"/>
+              <a:t>旋转矩阵、李代数、四元数、欧拉角</a:t>
+            </a:r>
+            <a:endParaRPr lang="en-US" altLang="zh-CN" dirty="0"/>
+          </a:p>
+          <a:p>
+            <a:r>
+              <a:rPr lang="zh-CN" altLang="en-US" dirty="0"/>
+              <a:t>角速度是怎么定义和表示的？</a:t>
+            </a:r>
+            <a:endParaRPr lang="en-US" altLang="zh-CN" dirty="0"/>
+          </a:p>
+          <a:p>
+            <a:r>
+              <a:rPr lang="zh-CN" altLang="en-US" dirty="0"/>
+              <a:t>参考系</a:t>
+            </a:r>
+            <a:r>
+              <a:rPr lang="en-US" altLang="zh-CN" dirty="0"/>
+              <a:t>2</a:t>
+            </a:r>
+            <a:r>
+              <a:rPr lang="zh-CN" altLang="en-US" dirty="0"/>
+              <a:t>绕参考系</a:t>
+            </a:r>
+            <a:r>
+              <a:rPr lang="en-US" altLang="zh-CN" dirty="0"/>
+              <a:t>1</a:t>
+            </a:r>
+            <a:r>
+              <a:rPr lang="zh-CN" altLang="en-US" dirty="0"/>
+              <a:t>旋转，怎么数学表示？</a:t>
+            </a:r>
+            <a:endParaRPr lang="en-US" altLang="zh-CN" dirty="0"/>
+          </a:p>
+          <a:p>
+            <a:r>
+              <a:rPr lang="zh-CN" altLang="en-US" dirty="0"/>
+              <a:t>同一个向量在</a:t>
+            </a:r>
+            <a:r>
+              <a:rPr lang="en-US" altLang="zh-CN" dirty="0"/>
+              <a:t>1</a:t>
+            </a:r>
+            <a:r>
+              <a:rPr lang="zh-CN" altLang="en-US" dirty="0"/>
+              <a:t>系和</a:t>
+            </a:r>
+            <a:r>
+              <a:rPr lang="en-US" altLang="zh-CN" dirty="0"/>
+              <a:t>2</a:t>
+            </a:r>
+            <a:r>
+              <a:rPr lang="zh-CN" altLang="en-US" dirty="0"/>
+              <a:t>系下的速度表示一样吗？</a:t>
+            </a:r>
+            <a:endParaRPr lang="en-US" altLang="zh-CN" dirty="0"/>
+          </a:p>
+          <a:p>
+            <a:r>
+              <a:rPr lang="zh-CN" altLang="en-US" dirty="0"/>
+              <a:t>上面问题的结论如何变成坐标？</a:t>
+            </a:r>
+            <a:endParaRPr lang="en-US" altLang="zh-CN" dirty="0"/>
+          </a:p>
+          <a:p>
+            <a:r>
+              <a:rPr lang="zh-CN" altLang="en-US" dirty="0"/>
+              <a:t>接上面，请推导并写出加速度的对应关系</a:t>
+            </a:r>
+            <a:endParaRPr lang="en-US" altLang="zh-CN" dirty="0"/>
+          </a:p>
+          <a:p>
+            <a:r>
+              <a:rPr lang="zh-CN" altLang="en-US" dirty="0"/>
+              <a:t>旋转矩阵与角速度的关系</a:t>
+            </a:r>
+            <a:r>
+              <a:rPr lang="en-US" altLang="zh-CN" dirty="0"/>
+              <a:t>——</a:t>
+            </a:r>
+            <a:r>
+              <a:rPr lang="zh-CN" altLang="en-US" dirty="0"/>
+              <a:t>泊松公式</a:t>
+            </a:r>
+            <a:endParaRPr lang="en-US" altLang="zh-CN" dirty="0"/>
+          </a:p>
+          <a:p>
+            <a:endParaRPr lang="en-US" altLang="zh-CN" dirty="0"/>
+          </a:p>
           <a:p>
             <a:endParaRPr lang="zh-CN" altLang="en-US" dirty="0"/>
           </a:p>
@@ -4012,10 +7466,9 @@
           <a:lstStyle/>
           <a:p>
             <a:r>
-              <a:rPr lang="zh-CN" altLang="en-US"/>
+              <a:rPr lang="zh-CN" altLang="en-US" dirty="0"/>
               <a:t>简单描述一下坐标系是怎么定义的</a:t>
             </a:r>
-            <a:endParaRPr lang="zh-CN" altLang="en-US" dirty="0"/>
           </a:p>
         </p:txBody>
       </p:sp>
